--- a/fyp_presentation.pptx
+++ b/fyp_presentation.pptx
@@ -4,17 +4,22 @@
   <p:sldMasterIdLst>
     <p:sldMasterId id="2147483708" r:id="rId1"/>
   </p:sldMasterIdLst>
+  <p:notesMasterIdLst>
+    <p:notesMasterId r:id="rId14"/>
+  </p:notesMasterIdLst>
   <p:sldIdLst>
     <p:sldId id="256" r:id="rId2"/>
     <p:sldId id="257" r:id="rId3"/>
-    <p:sldId id="258" r:id="rId4"/>
-    <p:sldId id="259" r:id="rId5"/>
-    <p:sldId id="260" r:id="rId6"/>
+    <p:sldId id="266" r:id="rId4"/>
+    <p:sldId id="258" r:id="rId5"/>
+    <p:sldId id="259" r:id="rId6"/>
     <p:sldId id="261" r:id="rId7"/>
-    <p:sldId id="262" r:id="rId8"/>
-    <p:sldId id="263" r:id="rId9"/>
-    <p:sldId id="264" r:id="rId10"/>
-    <p:sldId id="265" r:id="rId11"/>
+    <p:sldId id="267" r:id="rId8"/>
+    <p:sldId id="260" r:id="rId9"/>
+    <p:sldId id="262" r:id="rId10"/>
+    <p:sldId id="263" r:id="rId11"/>
+    <p:sldId id="264" r:id="rId12"/>
+    <p:sldId id="265" r:id="rId13"/>
   </p:sldIdLst>
   <p:sldSz cx="12192000" cy="6858000"/>
   <p:notesSz cx="6858000" cy="9144000"/>
@@ -113,11 +118,951 @@
       </a:defRPr>
     </a:lvl9pPr>
   </p:defaultTextStyle>
+  <p:extLst>
+    <p:ext uri="{EFAFB233-063F-42B5-8137-9DF3F51BA10A}">
+      <p15:sldGuideLst xmlns:p15="http://schemas.microsoft.com/office/powerpoint/2012/main"/>
+    </p:ext>
+  </p:extLst>
 </p:presentation>
 </file>
 
 <file path=ppt/revisionInfo.xml><?xml version="1.0" encoding="utf-8"?>
 <p1510:revInfo xmlns:a="http://schemas.openxmlformats.org/drawingml/2006/main" xmlns:r="http://schemas.openxmlformats.org/officeDocument/2006/relationships" xmlns:p1510="http://schemas.microsoft.com/office/powerpoint/2015/10/main"/>
+</file>
+
+<file path=ppt/notesMasters/notesMaster1.xml><?xml version="1.0" encoding="utf-8"?>
+<p:notesMaster xmlns:a="http://schemas.openxmlformats.org/drawingml/2006/main" xmlns:r="http://schemas.openxmlformats.org/officeDocument/2006/relationships" xmlns:p="http://schemas.openxmlformats.org/presentationml/2006/main">
+  <p:cSld>
+    <p:bg>
+      <p:bgRef idx="1001">
+        <a:schemeClr val="bg1"/>
+      </p:bgRef>
+    </p:bg>
+    <p:spTree>
+      <p:nvGrpSpPr>
+        <p:cNvPr id="1" name=""/>
+        <p:cNvGrpSpPr/>
+        <p:nvPr/>
+      </p:nvGrpSpPr>
+      <p:grpSpPr>
+        <a:xfrm>
+          <a:off x="0" y="0"/>
+          <a:ext cx="0" cy="0"/>
+          <a:chOff x="0" y="0"/>
+          <a:chExt cx="0" cy="0"/>
+        </a:xfrm>
+      </p:grpSpPr>
+      <p:sp>
+        <p:nvSpPr>
+          <p:cNvPr id="2" name="Header Placeholder 1"/>
+          <p:cNvSpPr>
+            <a:spLocks noGrp="1"/>
+          </p:cNvSpPr>
+          <p:nvPr>
+            <p:ph type="hdr" sz="quarter"/>
+          </p:nvPr>
+        </p:nvSpPr>
+        <p:spPr>
+          <a:xfrm>
+            <a:off x="0" y="0"/>
+            <a:ext cx="2971800" cy="458788"/>
+          </a:xfrm>
+          <a:prstGeom prst="rect">
+            <a:avLst/>
+          </a:prstGeom>
+        </p:spPr>
+        <p:txBody>
+          <a:bodyPr vert="horz" lIns="91440" tIns="45720" rIns="91440" bIns="45720" rtlCol="0"/>
+          <a:lstStyle>
+            <a:lvl1pPr algn="l">
+              <a:defRPr sz="1200"/>
+            </a:lvl1pPr>
+          </a:lstStyle>
+          <a:p>
+            <a:endParaRPr lang="en-GB"/>
+          </a:p>
+        </p:txBody>
+      </p:sp>
+      <p:sp>
+        <p:nvSpPr>
+          <p:cNvPr id="3" name="Date Placeholder 2"/>
+          <p:cNvSpPr>
+            <a:spLocks noGrp="1"/>
+          </p:cNvSpPr>
+          <p:nvPr>
+            <p:ph type="dt" idx="1"/>
+          </p:nvPr>
+        </p:nvSpPr>
+        <p:spPr>
+          <a:xfrm>
+            <a:off x="3884613" y="0"/>
+            <a:ext cx="2971800" cy="458788"/>
+          </a:xfrm>
+          <a:prstGeom prst="rect">
+            <a:avLst/>
+          </a:prstGeom>
+        </p:spPr>
+        <p:txBody>
+          <a:bodyPr vert="horz" lIns="91440" tIns="45720" rIns="91440" bIns="45720" rtlCol="0"/>
+          <a:lstStyle>
+            <a:lvl1pPr algn="r">
+              <a:defRPr sz="1200"/>
+            </a:lvl1pPr>
+          </a:lstStyle>
+          <a:p>
+            <a:fld id="{67F5BA08-B787-49E1-A552-26C3CCB561A3}" type="datetimeFigureOut">
+              <a:rPr lang="en-GB" smtClean="0"/>
+              <a:t>30/04/2018</a:t>
+            </a:fld>
+            <a:endParaRPr lang="en-GB"/>
+          </a:p>
+        </p:txBody>
+      </p:sp>
+      <p:sp>
+        <p:nvSpPr>
+          <p:cNvPr id="4" name="Slide Image Placeholder 3"/>
+          <p:cNvSpPr>
+            <a:spLocks noGrp="1" noRot="1" noChangeAspect="1"/>
+          </p:cNvSpPr>
+          <p:nvPr>
+            <p:ph type="sldImg" idx="2"/>
+          </p:nvPr>
+        </p:nvSpPr>
+        <p:spPr>
+          <a:xfrm>
+            <a:off x="685800" y="1143000"/>
+            <a:ext cx="5486400" cy="3086100"/>
+          </a:xfrm>
+          <a:prstGeom prst="rect">
+            <a:avLst/>
+          </a:prstGeom>
+          <a:noFill/>
+          <a:ln w="12700">
+            <a:solidFill>
+              <a:prstClr val="black"/>
+            </a:solidFill>
+          </a:ln>
+        </p:spPr>
+        <p:txBody>
+          <a:bodyPr vert="horz" lIns="91440" tIns="45720" rIns="91440" bIns="45720" rtlCol="0" anchor="ctr"/>
+          <a:lstStyle/>
+          <a:p>
+            <a:endParaRPr lang="en-GB"/>
+          </a:p>
+        </p:txBody>
+      </p:sp>
+      <p:sp>
+        <p:nvSpPr>
+          <p:cNvPr id="5" name="Notes Placeholder 4"/>
+          <p:cNvSpPr>
+            <a:spLocks noGrp="1"/>
+          </p:cNvSpPr>
+          <p:nvPr>
+            <p:ph type="body" sz="quarter" idx="3"/>
+          </p:nvPr>
+        </p:nvSpPr>
+        <p:spPr>
+          <a:xfrm>
+            <a:off x="685800" y="4400550"/>
+            <a:ext cx="5486400" cy="3600450"/>
+          </a:xfrm>
+          <a:prstGeom prst="rect">
+            <a:avLst/>
+          </a:prstGeom>
+        </p:spPr>
+        <p:txBody>
+          <a:bodyPr vert="horz" lIns="91440" tIns="45720" rIns="91440" bIns="45720" rtlCol="0"/>
+          <a:lstStyle/>
+          <a:p>
+            <a:pPr lvl="0"/>
+            <a:r>
+              <a:rPr lang="en-US"/>
+              <a:t>Edit Master text styles</a:t>
+            </a:r>
+          </a:p>
+          <a:p>
+            <a:pPr lvl="1"/>
+            <a:r>
+              <a:rPr lang="en-US"/>
+              <a:t>Second level</a:t>
+            </a:r>
+          </a:p>
+          <a:p>
+            <a:pPr lvl="2"/>
+            <a:r>
+              <a:rPr lang="en-US"/>
+              <a:t>Third level</a:t>
+            </a:r>
+          </a:p>
+          <a:p>
+            <a:pPr lvl="3"/>
+            <a:r>
+              <a:rPr lang="en-US"/>
+              <a:t>Fourth level</a:t>
+            </a:r>
+          </a:p>
+          <a:p>
+            <a:pPr lvl="4"/>
+            <a:r>
+              <a:rPr lang="en-US"/>
+              <a:t>Fifth level</a:t>
+            </a:r>
+            <a:endParaRPr lang="en-GB"/>
+          </a:p>
+        </p:txBody>
+      </p:sp>
+      <p:sp>
+        <p:nvSpPr>
+          <p:cNvPr id="6" name="Footer Placeholder 5"/>
+          <p:cNvSpPr>
+            <a:spLocks noGrp="1"/>
+          </p:cNvSpPr>
+          <p:nvPr>
+            <p:ph type="ftr" sz="quarter" idx="4"/>
+          </p:nvPr>
+        </p:nvSpPr>
+        <p:spPr>
+          <a:xfrm>
+            <a:off x="0" y="8685213"/>
+            <a:ext cx="2971800" cy="458787"/>
+          </a:xfrm>
+          <a:prstGeom prst="rect">
+            <a:avLst/>
+          </a:prstGeom>
+        </p:spPr>
+        <p:txBody>
+          <a:bodyPr vert="horz" lIns="91440" tIns="45720" rIns="91440" bIns="45720" rtlCol="0" anchor="b"/>
+          <a:lstStyle>
+            <a:lvl1pPr algn="l">
+              <a:defRPr sz="1200"/>
+            </a:lvl1pPr>
+          </a:lstStyle>
+          <a:p>
+            <a:endParaRPr lang="en-GB"/>
+          </a:p>
+        </p:txBody>
+      </p:sp>
+      <p:sp>
+        <p:nvSpPr>
+          <p:cNvPr id="7" name="Slide Number Placeholder 6"/>
+          <p:cNvSpPr>
+            <a:spLocks noGrp="1"/>
+          </p:cNvSpPr>
+          <p:nvPr>
+            <p:ph type="sldNum" sz="quarter" idx="5"/>
+          </p:nvPr>
+        </p:nvSpPr>
+        <p:spPr>
+          <a:xfrm>
+            <a:off x="3884613" y="8685213"/>
+            <a:ext cx="2971800" cy="458787"/>
+          </a:xfrm>
+          <a:prstGeom prst="rect">
+            <a:avLst/>
+          </a:prstGeom>
+        </p:spPr>
+        <p:txBody>
+          <a:bodyPr vert="horz" lIns="91440" tIns="45720" rIns="91440" bIns="45720" rtlCol="0" anchor="b"/>
+          <a:lstStyle>
+            <a:lvl1pPr algn="r">
+              <a:defRPr sz="1200"/>
+            </a:lvl1pPr>
+          </a:lstStyle>
+          <a:p>
+            <a:fld id="{8059EB8E-20B8-4FAD-8CFC-95E99C719D40}" type="slidenum">
+              <a:rPr lang="en-GB" smtClean="0"/>
+              <a:t>‹#›</a:t>
+            </a:fld>
+            <a:endParaRPr lang="en-GB"/>
+          </a:p>
+        </p:txBody>
+      </p:sp>
+    </p:spTree>
+    <p:extLst>
+      <p:ext uri="{BB962C8B-B14F-4D97-AF65-F5344CB8AC3E}">
+        <p14:creationId xmlns:p14="http://schemas.microsoft.com/office/powerpoint/2010/main" val="1357754664"/>
+      </p:ext>
+    </p:extLst>
+  </p:cSld>
+  <p:clrMap bg1="lt1" tx1="dk1" bg2="lt2" tx2="dk2" accent1="accent1" accent2="accent2" accent3="accent3" accent4="accent4" accent5="accent5" accent6="accent6" hlink="hlink" folHlink="folHlink"/>
+  <p:notesStyle>
+    <a:lvl1pPr marL="0" algn="l" defTabSz="914400" rtl="0" eaLnBrk="1" latinLnBrk="0" hangingPunct="1">
+      <a:defRPr sz="1200" kern="1200">
+        <a:solidFill>
+          <a:schemeClr val="tx1"/>
+        </a:solidFill>
+        <a:latin typeface="+mn-lt"/>
+        <a:ea typeface="+mn-ea"/>
+        <a:cs typeface="+mn-cs"/>
+      </a:defRPr>
+    </a:lvl1pPr>
+    <a:lvl2pPr marL="457200" algn="l" defTabSz="914400" rtl="0" eaLnBrk="1" latinLnBrk="0" hangingPunct="1">
+      <a:defRPr sz="1200" kern="1200">
+        <a:solidFill>
+          <a:schemeClr val="tx1"/>
+        </a:solidFill>
+        <a:latin typeface="+mn-lt"/>
+        <a:ea typeface="+mn-ea"/>
+        <a:cs typeface="+mn-cs"/>
+      </a:defRPr>
+    </a:lvl2pPr>
+    <a:lvl3pPr marL="914400" algn="l" defTabSz="914400" rtl="0" eaLnBrk="1" latinLnBrk="0" hangingPunct="1">
+      <a:defRPr sz="1200" kern="1200">
+        <a:solidFill>
+          <a:schemeClr val="tx1"/>
+        </a:solidFill>
+        <a:latin typeface="+mn-lt"/>
+        <a:ea typeface="+mn-ea"/>
+        <a:cs typeface="+mn-cs"/>
+      </a:defRPr>
+    </a:lvl3pPr>
+    <a:lvl4pPr marL="1371600" algn="l" defTabSz="914400" rtl="0" eaLnBrk="1" latinLnBrk="0" hangingPunct="1">
+      <a:defRPr sz="1200" kern="1200">
+        <a:solidFill>
+          <a:schemeClr val="tx1"/>
+        </a:solidFill>
+        <a:latin typeface="+mn-lt"/>
+        <a:ea typeface="+mn-ea"/>
+        <a:cs typeface="+mn-cs"/>
+      </a:defRPr>
+    </a:lvl4pPr>
+    <a:lvl5pPr marL="1828800" algn="l" defTabSz="914400" rtl="0" eaLnBrk="1" latinLnBrk="0" hangingPunct="1">
+      <a:defRPr sz="1200" kern="1200">
+        <a:solidFill>
+          <a:schemeClr val="tx1"/>
+        </a:solidFill>
+        <a:latin typeface="+mn-lt"/>
+        <a:ea typeface="+mn-ea"/>
+        <a:cs typeface="+mn-cs"/>
+      </a:defRPr>
+    </a:lvl5pPr>
+    <a:lvl6pPr marL="2286000" algn="l" defTabSz="914400" rtl="0" eaLnBrk="1" latinLnBrk="0" hangingPunct="1">
+      <a:defRPr sz="1200" kern="1200">
+        <a:solidFill>
+          <a:schemeClr val="tx1"/>
+        </a:solidFill>
+        <a:latin typeface="+mn-lt"/>
+        <a:ea typeface="+mn-ea"/>
+        <a:cs typeface="+mn-cs"/>
+      </a:defRPr>
+    </a:lvl6pPr>
+    <a:lvl7pPr marL="2743200" algn="l" defTabSz="914400" rtl="0" eaLnBrk="1" latinLnBrk="0" hangingPunct="1">
+      <a:defRPr sz="1200" kern="1200">
+        <a:solidFill>
+          <a:schemeClr val="tx1"/>
+        </a:solidFill>
+        <a:latin typeface="+mn-lt"/>
+        <a:ea typeface="+mn-ea"/>
+        <a:cs typeface="+mn-cs"/>
+      </a:defRPr>
+    </a:lvl7pPr>
+    <a:lvl8pPr marL="3200400" algn="l" defTabSz="914400" rtl="0" eaLnBrk="1" latinLnBrk="0" hangingPunct="1">
+      <a:defRPr sz="1200" kern="1200">
+        <a:solidFill>
+          <a:schemeClr val="tx1"/>
+        </a:solidFill>
+        <a:latin typeface="+mn-lt"/>
+        <a:ea typeface="+mn-ea"/>
+        <a:cs typeface="+mn-cs"/>
+      </a:defRPr>
+    </a:lvl8pPr>
+    <a:lvl9pPr marL="3657600" algn="l" defTabSz="914400" rtl="0" eaLnBrk="1" latinLnBrk="0" hangingPunct="1">
+      <a:defRPr sz="1200" kern="1200">
+        <a:solidFill>
+          <a:schemeClr val="tx1"/>
+        </a:solidFill>
+        <a:latin typeface="+mn-lt"/>
+        <a:ea typeface="+mn-ea"/>
+        <a:cs typeface="+mn-cs"/>
+      </a:defRPr>
+    </a:lvl9pPr>
+  </p:notesStyle>
+</p:notesMaster>
+</file>
+
+<file path=ppt/notesSlides/notesSlide1.xml><?xml version="1.0" encoding="utf-8"?>
+<p:notes xmlns:a="http://schemas.openxmlformats.org/drawingml/2006/main" xmlns:r="http://schemas.openxmlformats.org/officeDocument/2006/relationships" xmlns:p="http://schemas.openxmlformats.org/presentationml/2006/main">
+  <p:cSld>
+    <p:spTree>
+      <p:nvGrpSpPr>
+        <p:cNvPr id="1" name=""/>
+        <p:cNvGrpSpPr/>
+        <p:nvPr/>
+      </p:nvGrpSpPr>
+      <p:grpSpPr>
+        <a:xfrm>
+          <a:off x="0" y="0"/>
+          <a:ext cx="0" cy="0"/>
+          <a:chOff x="0" y="0"/>
+          <a:chExt cx="0" cy="0"/>
+        </a:xfrm>
+      </p:grpSpPr>
+      <p:sp>
+        <p:nvSpPr>
+          <p:cNvPr id="2" name="Slide Image Placeholder 1"/>
+          <p:cNvSpPr>
+            <a:spLocks noGrp="1" noRot="1" noChangeAspect="1"/>
+          </p:cNvSpPr>
+          <p:nvPr>
+            <p:ph type="sldImg"/>
+          </p:nvPr>
+        </p:nvSpPr>
+        <p:spPr/>
+      </p:sp>
+      <p:sp>
+        <p:nvSpPr>
+          <p:cNvPr id="3" name="Notes Placeholder 2"/>
+          <p:cNvSpPr>
+            <a:spLocks noGrp="1"/>
+          </p:cNvSpPr>
+          <p:nvPr>
+            <p:ph type="body" idx="1"/>
+          </p:nvPr>
+        </p:nvSpPr>
+        <p:spPr/>
+        <p:txBody>
+          <a:bodyPr/>
+          <a:lstStyle/>
+          <a:p>
+            <a:r>
+              <a:rPr lang="en-GB" dirty="0"/>
+              <a:t>The aim of this</a:t>
+            </a:r>
+            <a:r>
+              <a:rPr lang="en-GB" baseline="0" dirty="0"/>
+              <a:t> project is to investigate the quantum mechanical properties of a superconducting circuit. This is a microscopic device that consists of two layers of superconducting material separated by an insulating barrier, as shown in this diagram. This is  called a Josephson junction, and it is used to make qubits in quantum computing, or SQUIDS (</a:t>
+            </a:r>
+            <a:r>
+              <a:rPr lang="en-GB" sz="1200" b="1" i="0" kern="1200" dirty="0">
+                <a:solidFill>
+                  <a:schemeClr val="tx1"/>
+                </a:solidFill>
+                <a:effectLst/>
+                <a:latin typeface="+mn-lt"/>
+                <a:ea typeface="+mn-ea"/>
+                <a:cs typeface="+mn-cs"/>
+              </a:rPr>
+              <a:t>superconducting quantum interference device) </a:t>
+            </a:r>
+            <a:r>
+              <a:rPr lang="en-GB" sz="1200" b="0" i="0" kern="1200" dirty="0">
+                <a:solidFill>
+                  <a:schemeClr val="tx1"/>
+                </a:solidFill>
+                <a:effectLst/>
+                <a:latin typeface="+mn-lt"/>
+                <a:ea typeface="+mn-ea"/>
+                <a:cs typeface="+mn-cs"/>
+              </a:rPr>
+              <a:t>to</a:t>
+            </a:r>
+            <a:r>
+              <a:rPr lang="en-GB" sz="1200" b="0" i="0" kern="1200" baseline="0" dirty="0">
+                <a:solidFill>
+                  <a:schemeClr val="tx1"/>
+                </a:solidFill>
+                <a:effectLst/>
+                <a:latin typeface="+mn-lt"/>
+                <a:ea typeface="+mn-ea"/>
+                <a:cs typeface="+mn-cs"/>
+              </a:rPr>
+              <a:t> measure magnetic fields. A Josephson junction works by allowing superconducting cooper pairs to tunnel through the barrier. Cooper pairs are bound electrons at that give rise to superconductivity. This Josephson junction is studied by placing it in a cavity and </a:t>
+            </a:r>
+            <a:endParaRPr lang="en-GB" dirty="0"/>
+          </a:p>
+          <a:p>
+            <a:r>
+              <a:rPr lang="en-GB" dirty="0"/>
+              <a:t>The Hamiltonian for this system is well defined</a:t>
+            </a:r>
+            <a:r>
+              <a:rPr lang="en-GB" baseline="0" dirty="0"/>
+              <a:t> and this system has been studied experimentally, however only for low quantum states</a:t>
+            </a:r>
+            <a:endParaRPr lang="en-GB" dirty="0"/>
+          </a:p>
+        </p:txBody>
+      </p:sp>
+      <p:sp>
+        <p:nvSpPr>
+          <p:cNvPr id="4" name="Slide Number Placeholder 3"/>
+          <p:cNvSpPr>
+            <a:spLocks noGrp="1"/>
+          </p:cNvSpPr>
+          <p:nvPr>
+            <p:ph type="sldNum" sz="quarter" idx="10"/>
+          </p:nvPr>
+        </p:nvSpPr>
+        <p:spPr/>
+        <p:txBody>
+          <a:bodyPr/>
+          <a:lstStyle/>
+          <a:p>
+            <a:fld id="{8059EB8E-20B8-4FAD-8CFC-95E99C719D40}" type="slidenum">
+              <a:rPr lang="en-GB" smtClean="0"/>
+              <a:t>2</a:t>
+            </a:fld>
+            <a:endParaRPr lang="en-GB"/>
+          </a:p>
+        </p:txBody>
+      </p:sp>
+    </p:spTree>
+    <p:extLst>
+      <p:ext uri="{BB962C8B-B14F-4D97-AF65-F5344CB8AC3E}">
+        <p14:creationId xmlns:p14="http://schemas.microsoft.com/office/powerpoint/2010/main" val="3836008158"/>
+      </p:ext>
+    </p:extLst>
+  </p:cSld>
+  <p:clrMapOvr>
+    <a:masterClrMapping/>
+  </p:clrMapOvr>
+</p:notes>
+</file>
+
+<file path=ppt/notesSlides/notesSlide2.xml><?xml version="1.0" encoding="utf-8"?>
+<p:notes xmlns:a="http://schemas.openxmlformats.org/drawingml/2006/main" xmlns:r="http://schemas.openxmlformats.org/officeDocument/2006/relationships" xmlns:p="http://schemas.openxmlformats.org/presentationml/2006/main">
+  <p:cSld>
+    <p:spTree>
+      <p:nvGrpSpPr>
+        <p:cNvPr id="1" name=""/>
+        <p:cNvGrpSpPr/>
+        <p:nvPr/>
+      </p:nvGrpSpPr>
+      <p:grpSpPr>
+        <a:xfrm>
+          <a:off x="0" y="0"/>
+          <a:ext cx="0" cy="0"/>
+          <a:chOff x="0" y="0"/>
+          <a:chExt cx="0" cy="0"/>
+        </a:xfrm>
+      </p:grpSpPr>
+      <p:sp>
+        <p:nvSpPr>
+          <p:cNvPr id="2" name="Slide Image Placeholder 1"/>
+          <p:cNvSpPr>
+            <a:spLocks noGrp="1" noRot="1" noChangeAspect="1"/>
+          </p:cNvSpPr>
+          <p:nvPr>
+            <p:ph type="sldImg"/>
+          </p:nvPr>
+        </p:nvSpPr>
+        <p:spPr/>
+      </p:sp>
+      <p:sp>
+        <p:nvSpPr>
+          <p:cNvPr id="3" name="Notes Placeholder 2"/>
+          <p:cNvSpPr>
+            <a:spLocks noGrp="1"/>
+          </p:cNvSpPr>
+          <p:nvPr>
+            <p:ph type="body" idx="1"/>
+          </p:nvPr>
+        </p:nvSpPr>
+        <p:spPr/>
+        <p:txBody>
+          <a:bodyPr/>
+          <a:lstStyle/>
+          <a:p>
+            <a:r>
+              <a:rPr lang="en-GB" dirty="0"/>
+              <a:t>There is a large body of work investigating</a:t>
+            </a:r>
+            <a:r>
+              <a:rPr lang="en-GB" baseline="0" dirty="0"/>
+              <a:t> the properties of the transmon both theoretically and experimentally. However this has mainly focussed on the lower states of the transmon, </a:t>
+            </a:r>
+            <a:r>
+              <a:rPr lang="en-GB" baseline="0" dirty="0" err="1"/>
+              <a:t>ie</a:t>
+            </a:r>
+            <a:r>
+              <a:rPr lang="en-GB" baseline="0" dirty="0"/>
+              <a:t> the ground state and first state. This project aims to use established methods to simulate the transmon in very high states. This simulation will involve comparing analytical methods with computational numerical methods, using a mix of Python and Mathematica.</a:t>
+            </a:r>
+            <a:endParaRPr lang="en-GB" dirty="0"/>
+          </a:p>
+        </p:txBody>
+      </p:sp>
+      <p:sp>
+        <p:nvSpPr>
+          <p:cNvPr id="4" name="Slide Number Placeholder 3"/>
+          <p:cNvSpPr>
+            <a:spLocks noGrp="1"/>
+          </p:cNvSpPr>
+          <p:nvPr>
+            <p:ph type="sldNum" sz="quarter" idx="10"/>
+          </p:nvPr>
+        </p:nvSpPr>
+        <p:spPr/>
+        <p:txBody>
+          <a:bodyPr/>
+          <a:lstStyle/>
+          <a:p>
+            <a:fld id="{8059EB8E-20B8-4FAD-8CFC-95E99C719D40}" type="slidenum">
+              <a:rPr lang="en-GB" smtClean="0"/>
+              <a:t>3</a:t>
+            </a:fld>
+            <a:endParaRPr lang="en-GB"/>
+          </a:p>
+        </p:txBody>
+      </p:sp>
+    </p:spTree>
+    <p:extLst>
+      <p:ext uri="{BB962C8B-B14F-4D97-AF65-F5344CB8AC3E}">
+        <p14:creationId xmlns:p14="http://schemas.microsoft.com/office/powerpoint/2010/main" val="3862762770"/>
+      </p:ext>
+    </p:extLst>
+  </p:cSld>
+  <p:clrMapOvr>
+    <a:masterClrMapping/>
+  </p:clrMapOvr>
+</p:notes>
+</file>
+
+<file path=ppt/notesSlides/notesSlide3.xml><?xml version="1.0" encoding="utf-8"?>
+<p:notes xmlns:a="http://schemas.openxmlformats.org/drawingml/2006/main" xmlns:r="http://schemas.openxmlformats.org/officeDocument/2006/relationships" xmlns:p="http://schemas.openxmlformats.org/presentationml/2006/main">
+  <p:cSld>
+    <p:spTree>
+      <p:nvGrpSpPr>
+        <p:cNvPr id="1" name=""/>
+        <p:cNvGrpSpPr/>
+        <p:nvPr/>
+      </p:nvGrpSpPr>
+      <p:grpSpPr>
+        <a:xfrm>
+          <a:off x="0" y="0"/>
+          <a:ext cx="0" cy="0"/>
+          <a:chOff x="0" y="0"/>
+          <a:chExt cx="0" cy="0"/>
+        </a:xfrm>
+      </p:grpSpPr>
+      <p:sp>
+        <p:nvSpPr>
+          <p:cNvPr id="2" name="Slide Image Placeholder 1"/>
+          <p:cNvSpPr>
+            <a:spLocks noGrp="1" noRot="1" noChangeAspect="1"/>
+          </p:cNvSpPr>
+          <p:nvPr>
+            <p:ph type="sldImg"/>
+          </p:nvPr>
+        </p:nvSpPr>
+        <p:spPr/>
+      </p:sp>
+      <p:sp>
+        <p:nvSpPr>
+          <p:cNvPr id="3" name="Notes Placeholder 2"/>
+          <p:cNvSpPr>
+            <a:spLocks noGrp="1"/>
+          </p:cNvSpPr>
+          <p:nvPr>
+            <p:ph type="body" idx="1"/>
+          </p:nvPr>
+        </p:nvSpPr>
+        <p:spPr/>
+        <p:txBody>
+          <a:bodyPr/>
+          <a:lstStyle/>
+          <a:p>
+            <a:r>
+              <a:rPr lang="en-GB" dirty="0"/>
+              <a:t>The simulation will</a:t>
+            </a:r>
+            <a:r>
+              <a:rPr lang="en-GB" baseline="0" dirty="0"/>
+              <a:t> compare </a:t>
+            </a:r>
+            <a:r>
+              <a:rPr lang="en-GB" baseline="0" dirty="0" err="1"/>
+              <a:t>va</a:t>
+            </a:r>
+            <a:endParaRPr lang="en-GB" dirty="0"/>
+          </a:p>
+        </p:txBody>
+      </p:sp>
+      <p:sp>
+        <p:nvSpPr>
+          <p:cNvPr id="4" name="Slide Number Placeholder 3"/>
+          <p:cNvSpPr>
+            <a:spLocks noGrp="1"/>
+          </p:cNvSpPr>
+          <p:nvPr>
+            <p:ph type="sldNum" sz="quarter" idx="10"/>
+          </p:nvPr>
+        </p:nvSpPr>
+        <p:spPr/>
+        <p:txBody>
+          <a:bodyPr/>
+          <a:lstStyle/>
+          <a:p>
+            <a:fld id="{8059EB8E-20B8-4FAD-8CFC-95E99C719D40}" type="slidenum">
+              <a:rPr lang="en-GB" smtClean="0"/>
+              <a:t>4</a:t>
+            </a:fld>
+            <a:endParaRPr lang="en-GB"/>
+          </a:p>
+        </p:txBody>
+      </p:sp>
+    </p:spTree>
+    <p:extLst>
+      <p:ext uri="{BB962C8B-B14F-4D97-AF65-F5344CB8AC3E}">
+        <p14:creationId xmlns:p14="http://schemas.microsoft.com/office/powerpoint/2010/main" val="2430395884"/>
+      </p:ext>
+    </p:extLst>
+  </p:cSld>
+  <p:clrMapOvr>
+    <a:masterClrMapping/>
+  </p:clrMapOvr>
+</p:notes>
+</file>
+
+<file path=ppt/notesSlides/notesSlide4.xml><?xml version="1.0" encoding="utf-8"?>
+<p:notes xmlns:a="http://schemas.openxmlformats.org/drawingml/2006/main" xmlns:r="http://schemas.openxmlformats.org/officeDocument/2006/relationships" xmlns:p="http://schemas.openxmlformats.org/presentationml/2006/main">
+  <p:cSld>
+    <p:spTree>
+      <p:nvGrpSpPr>
+        <p:cNvPr id="1" name=""/>
+        <p:cNvGrpSpPr/>
+        <p:nvPr/>
+      </p:nvGrpSpPr>
+      <p:grpSpPr>
+        <a:xfrm>
+          <a:off x="0" y="0"/>
+          <a:ext cx="0" cy="0"/>
+          <a:chOff x="0" y="0"/>
+          <a:chExt cx="0" cy="0"/>
+        </a:xfrm>
+      </p:grpSpPr>
+      <p:sp>
+        <p:nvSpPr>
+          <p:cNvPr id="2" name="Slide Image Placeholder 1"/>
+          <p:cNvSpPr>
+            <a:spLocks noGrp="1" noRot="1" noChangeAspect="1"/>
+          </p:cNvSpPr>
+          <p:nvPr>
+            <p:ph type="sldImg"/>
+          </p:nvPr>
+        </p:nvSpPr>
+        <p:spPr/>
+      </p:sp>
+      <p:sp>
+        <p:nvSpPr>
+          <p:cNvPr id="3" name="Notes Placeholder 2"/>
+          <p:cNvSpPr>
+            <a:spLocks noGrp="1"/>
+          </p:cNvSpPr>
+          <p:nvPr>
+            <p:ph type="body" idx="1"/>
+          </p:nvPr>
+        </p:nvSpPr>
+        <p:spPr/>
+        <p:txBody>
+          <a:bodyPr/>
+          <a:lstStyle/>
+          <a:p>
+            <a:r>
+              <a:rPr lang="en-GB" dirty="0"/>
+              <a:t>This is the Hamiltonian</a:t>
+            </a:r>
+            <a:r>
+              <a:rPr lang="en-GB" baseline="0" dirty="0"/>
+              <a:t> of the system, where *explain all the things*</a:t>
+            </a:r>
+          </a:p>
+          <a:p>
+            <a:r>
+              <a:rPr lang="en-GB" baseline="0" dirty="0" err="1"/>
+              <a:t>Ec</a:t>
+            </a:r>
+            <a:r>
+              <a:rPr lang="en-GB" baseline="0" dirty="0"/>
+              <a:t> – charge/capacitance energy</a:t>
+            </a:r>
+          </a:p>
+          <a:p>
+            <a:r>
+              <a:rPr lang="en-GB" baseline="0" dirty="0" err="1"/>
+              <a:t>Ej</a:t>
+            </a:r>
+            <a:r>
+              <a:rPr lang="en-GB" baseline="0" dirty="0"/>
+              <a:t> – </a:t>
+            </a:r>
+            <a:r>
+              <a:rPr lang="en-GB" baseline="0" dirty="0" err="1"/>
+              <a:t>josphson</a:t>
+            </a:r>
+            <a:r>
+              <a:rPr lang="en-GB" baseline="0" dirty="0"/>
+              <a:t> energy</a:t>
+            </a:r>
+          </a:p>
+          <a:p>
+            <a:r>
+              <a:rPr lang="en-GB" baseline="0" dirty="0"/>
+              <a:t>Ng – </a:t>
+            </a:r>
+            <a:r>
+              <a:rPr lang="en-GB" sz="1200" b="0" i="0" u="none" strike="noStrike" kern="1200" baseline="0" dirty="0">
+                <a:solidFill>
+                  <a:schemeClr val="tx1"/>
+                </a:solidFill>
+                <a:latin typeface="+mn-lt"/>
+                <a:ea typeface="+mn-ea"/>
+                <a:cs typeface="+mn-cs"/>
+              </a:rPr>
+              <a:t>reduced gate charge</a:t>
+            </a:r>
+          </a:p>
+          <a:p>
+            <a:endParaRPr lang="en-GB" baseline="0" dirty="0"/>
+          </a:p>
+          <a:p>
+            <a:r>
+              <a:rPr lang="en-GB" baseline="0" dirty="0"/>
+              <a:t>The charge operator tells you the difference between the amount of cooper pairs on either side of the junction. It is not the rate of change of cooper pairs, it is the change</a:t>
+            </a:r>
+            <a:endParaRPr lang="en-GB" dirty="0"/>
+          </a:p>
+        </p:txBody>
+      </p:sp>
+      <p:sp>
+        <p:nvSpPr>
+          <p:cNvPr id="4" name="Slide Number Placeholder 3"/>
+          <p:cNvSpPr>
+            <a:spLocks noGrp="1"/>
+          </p:cNvSpPr>
+          <p:nvPr>
+            <p:ph type="sldNum" sz="quarter" idx="10"/>
+          </p:nvPr>
+        </p:nvSpPr>
+        <p:spPr/>
+        <p:txBody>
+          <a:bodyPr/>
+          <a:lstStyle/>
+          <a:p>
+            <a:fld id="{8059EB8E-20B8-4FAD-8CFC-95E99C719D40}" type="slidenum">
+              <a:rPr lang="en-GB" smtClean="0"/>
+              <a:t>5</a:t>
+            </a:fld>
+            <a:endParaRPr lang="en-GB"/>
+          </a:p>
+        </p:txBody>
+      </p:sp>
+    </p:spTree>
+    <p:extLst>
+      <p:ext uri="{BB962C8B-B14F-4D97-AF65-F5344CB8AC3E}">
+        <p14:creationId xmlns:p14="http://schemas.microsoft.com/office/powerpoint/2010/main" val="1939826633"/>
+      </p:ext>
+    </p:extLst>
+  </p:cSld>
+  <p:clrMapOvr>
+    <a:masterClrMapping/>
+  </p:clrMapOvr>
+</p:notes>
+</file>
+
+<file path=ppt/notesSlides/notesSlide5.xml><?xml version="1.0" encoding="utf-8"?>
+<p:notes xmlns:a="http://schemas.openxmlformats.org/drawingml/2006/main" xmlns:r="http://schemas.openxmlformats.org/officeDocument/2006/relationships" xmlns:p="http://schemas.openxmlformats.org/presentationml/2006/main">
+  <p:cSld>
+    <p:spTree>
+      <p:nvGrpSpPr>
+        <p:cNvPr id="1" name=""/>
+        <p:cNvGrpSpPr/>
+        <p:nvPr/>
+      </p:nvGrpSpPr>
+      <p:grpSpPr>
+        <a:xfrm>
+          <a:off x="0" y="0"/>
+          <a:ext cx="0" cy="0"/>
+          <a:chOff x="0" y="0"/>
+          <a:chExt cx="0" cy="0"/>
+        </a:xfrm>
+      </p:grpSpPr>
+      <p:sp>
+        <p:nvSpPr>
+          <p:cNvPr id="2" name="Slide Image Placeholder 1"/>
+          <p:cNvSpPr>
+            <a:spLocks noGrp="1" noRot="1" noChangeAspect="1"/>
+          </p:cNvSpPr>
+          <p:nvPr>
+            <p:ph type="sldImg"/>
+          </p:nvPr>
+        </p:nvSpPr>
+        <p:spPr/>
+      </p:sp>
+      <p:sp>
+        <p:nvSpPr>
+          <p:cNvPr id="3" name="Notes Placeholder 2"/>
+          <p:cNvSpPr>
+            <a:spLocks noGrp="1"/>
+          </p:cNvSpPr>
+          <p:nvPr>
+            <p:ph type="body" idx="1"/>
+          </p:nvPr>
+        </p:nvSpPr>
+        <p:spPr/>
+        <p:txBody>
+          <a:bodyPr/>
+          <a:lstStyle/>
+          <a:p>
+            <a:r>
+              <a:rPr lang="en-GB" dirty="0"/>
+              <a:t>Key points       – becomes</a:t>
+            </a:r>
+            <a:r>
+              <a:rPr lang="en-GB" baseline="0" dirty="0"/>
+              <a:t> like a charge state for high values of n</a:t>
+            </a:r>
+          </a:p>
+          <a:p>
+            <a:r>
+              <a:rPr lang="en-GB" baseline="0" dirty="0"/>
+              <a:t>	- opposite states are degenerate</a:t>
+            </a:r>
+          </a:p>
+          <a:p>
+            <a:r>
+              <a:rPr lang="en-GB" baseline="0" dirty="0"/>
+              <a:t>	- adjacent states aren’t really coupled</a:t>
+            </a:r>
+            <a:endParaRPr lang="en-GB" dirty="0"/>
+          </a:p>
+        </p:txBody>
+      </p:sp>
+      <p:sp>
+        <p:nvSpPr>
+          <p:cNvPr id="4" name="Slide Number Placeholder 3"/>
+          <p:cNvSpPr>
+            <a:spLocks noGrp="1"/>
+          </p:cNvSpPr>
+          <p:nvPr>
+            <p:ph type="sldNum" sz="quarter" idx="10"/>
+          </p:nvPr>
+        </p:nvSpPr>
+        <p:spPr/>
+        <p:txBody>
+          <a:bodyPr/>
+          <a:lstStyle/>
+          <a:p>
+            <a:fld id="{8059EB8E-20B8-4FAD-8CFC-95E99C719D40}" type="slidenum">
+              <a:rPr lang="en-GB" smtClean="0"/>
+              <a:t>6</a:t>
+            </a:fld>
+            <a:endParaRPr lang="en-GB"/>
+          </a:p>
+        </p:txBody>
+      </p:sp>
+    </p:spTree>
+    <p:extLst>
+      <p:ext uri="{BB962C8B-B14F-4D97-AF65-F5344CB8AC3E}">
+        <p14:creationId xmlns:p14="http://schemas.microsoft.com/office/powerpoint/2010/main" val="2841096127"/>
+      </p:ext>
+    </p:extLst>
+  </p:cSld>
+  <p:clrMapOvr>
+    <a:masterClrMapping/>
+  </p:clrMapOvr>
+</p:notes>
 </file>
 
 <file path=ppt/slideLayouts/slideLayout1.xml><?xml version="1.0" encoding="utf-8"?>
@@ -269,7 +1214,7 @@
           <a:p>
             <a:fld id="{1160EA64-D806-43AC-9DF2-F8C432F32B4C}" type="datetimeFigureOut">
               <a:rPr lang="en-US" smtClean="0"/>
-              <a:t>4/22/2018</a:t>
+              <a:t>4/30/2018</a:t>
             </a:fld>
             <a:endParaRPr lang="en-US" dirty="0"/>
           </a:p>
@@ -470,7 +1415,7 @@
           <a:p>
             <a:fld id="{E9F9C37B-1D36-470B-8223-D6C91242EC14}" type="datetimeFigureOut">
               <a:rPr lang="en-US" smtClean="0"/>
-              <a:t>4/22/2018</a:t>
+              <a:t>4/30/2018</a:t>
             </a:fld>
             <a:endParaRPr lang="en-US" dirty="0"/>
           </a:p>
@@ -680,7 +1625,7 @@
           <a:p>
             <a:fld id="{67C6F52A-A82B-47A2-A83A-8C4C91F2D59F}" type="datetimeFigureOut">
               <a:rPr lang="en-US" smtClean="0"/>
-              <a:t>4/22/2018</a:t>
+              <a:t>4/30/2018</a:t>
             </a:fld>
             <a:endParaRPr lang="en-US" dirty="0"/>
           </a:p>
@@ -880,7 +1825,7 @@
           <a:p>
             <a:fld id="{F070A7B3-6521-4DCA-87E5-044747A908C1}" type="datetimeFigureOut">
               <a:rPr lang="en-US" smtClean="0"/>
-              <a:t>4/22/2018</a:t>
+              <a:t>4/30/2018</a:t>
             </a:fld>
             <a:endParaRPr lang="en-US" dirty="0"/>
           </a:p>
@@ -1157,7 +2102,7 @@
           <a:p>
             <a:fld id="{1160EA64-D806-43AC-9DF2-F8C432F32B4C}" type="datetimeFigureOut">
               <a:rPr lang="en-US" smtClean="0"/>
-              <a:t>4/22/2018</a:t>
+              <a:t>4/30/2018</a:t>
             </a:fld>
             <a:endParaRPr lang="en-US" dirty="0"/>
           </a:p>
@@ -1426,7 +2371,7 @@
           <a:p>
             <a:fld id="{AB134690-1557-4C89-A502-4959FE7FAD70}" type="datetimeFigureOut">
               <a:rPr lang="en-US" smtClean="0"/>
-              <a:t>4/22/2018</a:t>
+              <a:t>4/30/2018</a:t>
             </a:fld>
             <a:endParaRPr lang="en-US" dirty="0"/>
           </a:p>
@@ -1841,7 +2786,7 @@
           <a:p>
             <a:fld id="{4F7D4976-E339-4826-83B7-FBD03F55ECF8}" type="datetimeFigureOut">
               <a:rPr lang="en-US" smtClean="0"/>
-              <a:t>4/22/2018</a:t>
+              <a:t>4/30/2018</a:t>
             </a:fld>
             <a:endParaRPr lang="en-US" dirty="0"/>
           </a:p>
@@ -1983,7 +2928,7 @@
           <a:p>
             <a:fld id="{E1037C31-9E7A-4F99-8774-A0E530DE1A42}" type="datetimeFigureOut">
               <a:rPr lang="en-US" smtClean="0"/>
-              <a:t>4/22/2018</a:t>
+              <a:t>4/30/2018</a:t>
             </a:fld>
             <a:endParaRPr lang="en-US" dirty="0"/>
           </a:p>
@@ -2096,7 +3041,7 @@
           <a:p>
             <a:fld id="{C278504F-A551-4DE0-9316-4DCD1D8CC752}" type="datetimeFigureOut">
               <a:rPr lang="en-US" smtClean="0"/>
-              <a:t>4/22/2018</a:t>
+              <a:t>4/30/2018</a:t>
             </a:fld>
             <a:endParaRPr lang="en-US" dirty="0"/>
           </a:p>
@@ -2409,7 +3354,7 @@
           <a:p>
             <a:fld id="{D1BE4249-C0D0-4B06-8692-E8BB871AF643}" type="datetimeFigureOut">
               <a:rPr lang="en-US" smtClean="0"/>
-              <a:t>4/22/2018</a:t>
+              <a:t>4/30/2018</a:t>
             </a:fld>
             <a:endParaRPr lang="en-US" dirty="0"/>
           </a:p>
@@ -2698,7 +3643,7 @@
           <a:p>
             <a:fld id="{042B0DB6-F5C7-45FB-8CF3-31B45F9C2DAC}" type="datetimeFigureOut">
               <a:rPr lang="en-US" smtClean="0"/>
-              <a:t>4/22/2018</a:t>
+              <a:t>4/30/2018</a:t>
             </a:fld>
             <a:endParaRPr lang="en-US" dirty="0"/>
           </a:p>
@@ -2941,7 +3886,7 @@
           <a:p>
             <a:fld id="{1160EA64-D806-43AC-9DF2-F8C432F32B4C}" type="datetimeFigureOut">
               <a:rPr lang="en-US" smtClean="0"/>
-              <a:t>4/22/2018</a:t>
+              <a:t>4/30/2018</a:t>
             </a:fld>
             <a:endParaRPr lang="en-US" dirty="0"/>
           </a:p>
@@ -3467,6 +4412,181 @@
           <p:cNvPr id="2" name="Title 1">
             <a:extLst>
               <a:ext uri="{FF2B5EF4-FFF2-40B4-BE49-F238E27FC236}">
+                <a16:creationId xmlns:a16="http://schemas.microsoft.com/office/drawing/2014/main" id="{2B53B622-25EB-4F9D-AC33-210EBBCA35C7}"/>
+              </a:ext>
+            </a:extLst>
+          </p:cNvPr>
+          <p:cNvSpPr>
+            <a:spLocks noGrp="1"/>
+          </p:cNvSpPr>
+          <p:nvPr>
+            <p:ph type="title"/>
+          </p:nvPr>
+        </p:nvSpPr>
+        <p:spPr/>
+        <p:txBody>
+          <a:bodyPr/>
+          <a:lstStyle/>
+          <a:p>
+            <a:r>
+              <a:rPr lang="en-GB" dirty="0" err="1"/>
+              <a:t>Wavefuntion</a:t>
+            </a:r>
+            <a:r>
+              <a:rPr lang="en-GB" dirty="0"/>
+              <a:t>/Probability </a:t>
+            </a:r>
+            <a:r>
+              <a:rPr lang="en-GB" dirty="0" err="1"/>
+              <a:t>distrobution</a:t>
+            </a:r>
+            <a:endParaRPr lang="en-GB" dirty="0"/>
+          </a:p>
+        </p:txBody>
+      </p:sp>
+      <p:sp>
+        <p:nvSpPr>
+          <p:cNvPr id="3" name="Content Placeholder 2">
+            <a:extLst>
+              <a:ext uri="{FF2B5EF4-FFF2-40B4-BE49-F238E27FC236}">
+                <a16:creationId xmlns:a16="http://schemas.microsoft.com/office/drawing/2014/main" id="{27711A33-0088-417D-960E-896F089CAC24}"/>
+              </a:ext>
+            </a:extLst>
+          </p:cNvPr>
+          <p:cNvSpPr>
+            <a:spLocks noGrp="1"/>
+          </p:cNvSpPr>
+          <p:nvPr>
+            <p:ph idx="1"/>
+          </p:nvPr>
+        </p:nvSpPr>
+        <p:spPr/>
+        <p:txBody>
+          <a:bodyPr/>
+          <a:lstStyle/>
+          <a:p>
+            <a:endParaRPr lang="en-GB" dirty="0"/>
+          </a:p>
+        </p:txBody>
+      </p:sp>
+    </p:spTree>
+    <p:extLst>
+      <p:ext uri="{BB962C8B-B14F-4D97-AF65-F5344CB8AC3E}">
+        <p14:creationId xmlns:p14="http://schemas.microsoft.com/office/powerpoint/2010/main" val="462499914"/>
+      </p:ext>
+    </p:extLst>
+  </p:cSld>
+  <p:clrMapOvr>
+    <a:masterClrMapping/>
+  </p:clrMapOvr>
+</p:sld>
+</file>
+
+<file path=ppt/slides/slide11.xml><?xml version="1.0" encoding="utf-8"?>
+<p:sld xmlns:a="http://schemas.openxmlformats.org/drawingml/2006/main" xmlns:r="http://schemas.openxmlformats.org/officeDocument/2006/relationships" xmlns:p="http://schemas.openxmlformats.org/presentationml/2006/main">
+  <p:cSld>
+    <p:spTree>
+      <p:nvGrpSpPr>
+        <p:cNvPr id="1" name=""/>
+        <p:cNvGrpSpPr/>
+        <p:nvPr/>
+      </p:nvGrpSpPr>
+      <p:grpSpPr>
+        <a:xfrm>
+          <a:off x="0" y="0"/>
+          <a:ext cx="0" cy="0"/>
+          <a:chOff x="0" y="0"/>
+          <a:chExt cx="0" cy="0"/>
+        </a:xfrm>
+      </p:grpSpPr>
+      <p:sp>
+        <p:nvSpPr>
+          <p:cNvPr id="2" name="Title 1">
+            <a:extLst>
+              <a:ext uri="{FF2B5EF4-FFF2-40B4-BE49-F238E27FC236}">
+                <a16:creationId xmlns:a16="http://schemas.microsoft.com/office/drawing/2014/main" id="{4119B354-53F7-4292-B0D3-1503275CE616}"/>
+              </a:ext>
+            </a:extLst>
+          </p:cNvPr>
+          <p:cNvSpPr>
+            <a:spLocks noGrp="1"/>
+          </p:cNvSpPr>
+          <p:nvPr>
+            <p:ph type="title"/>
+          </p:nvPr>
+        </p:nvSpPr>
+        <p:spPr/>
+        <p:txBody>
+          <a:bodyPr/>
+          <a:lstStyle/>
+          <a:p>
+            <a:r>
+              <a:rPr lang="en-GB" dirty="0"/>
+              <a:t>Conclusion</a:t>
+            </a:r>
+          </a:p>
+        </p:txBody>
+      </p:sp>
+      <p:sp>
+        <p:nvSpPr>
+          <p:cNvPr id="3" name="Content Placeholder 2">
+            <a:extLst>
+              <a:ext uri="{FF2B5EF4-FFF2-40B4-BE49-F238E27FC236}">
+                <a16:creationId xmlns:a16="http://schemas.microsoft.com/office/drawing/2014/main" id="{C73D1B8F-1BB6-481C-940A-91DBCD6D6D14}"/>
+              </a:ext>
+            </a:extLst>
+          </p:cNvPr>
+          <p:cNvSpPr>
+            <a:spLocks noGrp="1"/>
+          </p:cNvSpPr>
+          <p:nvPr>
+            <p:ph idx="1"/>
+          </p:nvPr>
+        </p:nvSpPr>
+        <p:spPr/>
+        <p:txBody>
+          <a:bodyPr/>
+          <a:lstStyle/>
+          <a:p>
+            <a:endParaRPr lang="en-GB"/>
+          </a:p>
+        </p:txBody>
+      </p:sp>
+    </p:spTree>
+    <p:extLst>
+      <p:ext uri="{BB962C8B-B14F-4D97-AF65-F5344CB8AC3E}">
+        <p14:creationId xmlns:p14="http://schemas.microsoft.com/office/powerpoint/2010/main" val="1929177404"/>
+      </p:ext>
+    </p:extLst>
+  </p:cSld>
+  <p:clrMapOvr>
+    <a:masterClrMapping/>
+  </p:clrMapOvr>
+</p:sld>
+</file>
+
+<file path=ppt/slides/slide12.xml><?xml version="1.0" encoding="utf-8"?>
+<p:sld xmlns:a="http://schemas.openxmlformats.org/drawingml/2006/main" xmlns:r="http://schemas.openxmlformats.org/officeDocument/2006/relationships" xmlns:p="http://schemas.openxmlformats.org/presentationml/2006/main">
+  <p:cSld>
+    <p:spTree>
+      <p:nvGrpSpPr>
+        <p:cNvPr id="1" name=""/>
+        <p:cNvGrpSpPr/>
+        <p:nvPr/>
+      </p:nvGrpSpPr>
+      <p:grpSpPr>
+        <a:xfrm>
+          <a:off x="0" y="0"/>
+          <a:ext cx="0" cy="0"/>
+          <a:chOff x="0" y="0"/>
+          <a:chExt cx="0" cy="0"/>
+        </a:xfrm>
+      </p:grpSpPr>
+      <p:sp>
+        <p:nvSpPr>
+          <p:cNvPr id="2" name="Title 1">
+            <a:extLst>
+              <a:ext uri="{FF2B5EF4-FFF2-40B4-BE49-F238E27FC236}">
                 <a16:creationId xmlns:a16="http://schemas.microsoft.com/office/drawing/2014/main" id="{2A9EF681-E016-4EF1-8261-70A7E8705947}"/>
               </a:ext>
             </a:extLst>
@@ -3570,21 +4690,66 @@
           </a:p>
         </p:txBody>
       </p:sp>
-      <p:sp>
-        <p:nvSpPr>
-          <p:cNvPr id="3" name="Content Placeholder 2">
-            <a:extLst>
-              <a:ext uri="{FF2B5EF4-FFF2-40B4-BE49-F238E27FC236}">
-                <a16:creationId xmlns:a16="http://schemas.microsoft.com/office/drawing/2014/main" id="{BE88B453-14CF-4601-8B0E-7B42E3F70AB2}"/>
-              </a:ext>
-            </a:extLst>
-          </p:cNvPr>
-          <p:cNvSpPr>
-            <a:spLocks noGrp="1"/>
-          </p:cNvSpPr>
+      <p:pic>
+        <p:nvPicPr>
+          <p:cNvPr id="8" name="Content Placeholder 7">
+            <a:extLst>
+              <a:ext uri="{FF2B5EF4-FFF2-40B4-BE49-F238E27FC236}">
+                <a16:creationId xmlns:a16="http://schemas.microsoft.com/office/drawing/2014/main" id="{A4A51711-9DDF-44A5-9ED3-BE5C1D617C60}"/>
+              </a:ext>
+            </a:extLst>
+          </p:cNvPr>
+          <p:cNvPicPr>
+            <a:picLocks noGrp="1" noChangeAspect="1"/>
+          </p:cNvPicPr>
           <p:nvPr>
             <p:ph idx="1"/>
           </p:nvPr>
+        </p:nvPicPr>
+        <p:blipFill rotWithShape="1">
+          <a:blip r:embed="rId3"/>
+          <a:srcRect l="14113" b="4622"/>
+          <a:stretch/>
+        </p:blipFill>
+        <p:spPr>
+          <a:xfrm>
+            <a:off x="6054290" y="1438357"/>
+            <a:ext cx="5301097" cy="3788162"/>
+          </a:xfrm>
+          <a:prstGeom prst="rect">
+            <a:avLst/>
+          </a:prstGeom>
+          <a:ln w="38100" cap="sq">
+            <a:solidFill>
+              <a:srgbClr val="000000"/>
+            </a:solidFill>
+            <a:prstDash val="solid"/>
+            <a:miter lim="800000"/>
+          </a:ln>
+          <a:effectLst>
+            <a:outerShdw blurRad="50800" dist="38100" dir="2700000" algn="tl" rotWithShape="0">
+              <a:srgbClr val="000000">
+                <a:alpha val="43000"/>
+              </a:srgbClr>
+            </a:outerShdw>
+          </a:effectLst>
+        </p:spPr>
+      </p:pic>
+      <p:sp>
+        <p:nvSpPr>
+          <p:cNvPr id="7" name="Text Placeholder 6">
+            <a:extLst>
+              <a:ext uri="{FF2B5EF4-FFF2-40B4-BE49-F238E27FC236}">
+                <a16:creationId xmlns:a16="http://schemas.microsoft.com/office/drawing/2014/main" id="{EAAEDF57-6DC6-48DD-A90D-55A4C08D92F9}"/>
+              </a:ext>
+            </a:extLst>
+          </p:cNvPr>
+          <p:cNvSpPr>
+            <a:spLocks noGrp="1"/>
+          </p:cNvSpPr>
+          <p:nvPr>
+            <p:ph type="body" sz="half" idx="2"/>
+          </p:nvPr>
         </p:nvSpPr>
         <p:spPr/>
         <p:txBody>
@@ -3593,25 +4758,99 @@
           <a:p>
             <a:r>
               <a:rPr lang="en-GB" dirty="0"/>
-              <a:t>Semiconducting circuits</a:t>
-            </a:r>
-          </a:p>
-          <a:p>
+              <a:t>This is a </a:t>
+            </a:r>
+            <a:r>
+              <a:rPr lang="en-GB" dirty="0" err="1"/>
+              <a:t>Josepson</a:t>
+            </a:r>
             <a:r>
               <a:rPr lang="en-GB" dirty="0"/>
-              <a:t>Qubits</a:t>
-            </a:r>
-          </a:p>
+              <a:t> junction</a:t>
+            </a:r>
+          </a:p>
+          <a:p>
+            <a:r>
+              <a:rPr lang="en-GB" dirty="0"/>
+              <a:t>Cooper pair box has a gate, change it to this.</a:t>
+            </a:r>
+          </a:p>
+        </p:txBody>
+      </p:sp>
+      <p:sp>
+        <p:nvSpPr>
+          <p:cNvPr id="9" name="TextBox 8">
+            <a:extLst>
+              <a:ext uri="{FF2B5EF4-FFF2-40B4-BE49-F238E27FC236}">
+                <a16:creationId xmlns:a16="http://schemas.microsoft.com/office/drawing/2014/main" id="{C96B8A57-B08F-4736-BAF9-F31562E48513}"/>
+              </a:ext>
+            </a:extLst>
+          </p:cNvPr>
+          <p:cNvSpPr txBox="1"/>
+          <p:nvPr/>
+        </p:nvSpPr>
+        <p:spPr>
+          <a:xfrm>
+            <a:off x="6054290" y="5332396"/>
+            <a:ext cx="5301097" cy="369332"/>
+          </a:xfrm>
+          <a:prstGeom prst="rect">
+            <a:avLst/>
+          </a:prstGeom>
+          <a:noFill/>
+        </p:spPr>
+        <p:txBody>
+          <a:bodyPr wrap="square" rtlCol="0">
+            <a:spAutoFit/>
+          </a:bodyPr>
+          <a:lstStyle/>
           <a:p>
             <a:r>
               <a:rPr lang="en-GB" dirty="0"/>
               <a:t>Josephson Junction</a:t>
             </a:r>
           </a:p>
+        </p:txBody>
+      </p:sp>
+      <p:sp>
+        <p:nvSpPr>
+          <p:cNvPr id="10" name="TextBox 9">
+            <a:extLst>
+              <a:ext uri="{FF2B5EF4-FFF2-40B4-BE49-F238E27FC236}">
+                <a16:creationId xmlns:a16="http://schemas.microsoft.com/office/drawing/2014/main" id="{A8F74F22-6D5E-4858-A699-07834A9D029A}"/>
+              </a:ext>
+            </a:extLst>
+          </p:cNvPr>
+          <p:cNvSpPr txBox="1"/>
+          <p:nvPr/>
+        </p:nvSpPr>
+        <p:spPr>
+          <a:xfrm>
+            <a:off x="839788" y="6208295"/>
+            <a:ext cx="7303185" cy="369332"/>
+          </a:xfrm>
+          <a:prstGeom prst="rect">
+            <a:avLst/>
+          </a:prstGeom>
+          <a:noFill/>
+        </p:spPr>
+        <p:txBody>
+          <a:bodyPr wrap="square" rtlCol="0">
+            <a:spAutoFit/>
+          </a:bodyPr>
+          <a:lstStyle/>
           <a:p>
             <a:r>
               <a:rPr lang="en-GB" dirty="0"/>
-              <a:t>Cooper pairs</a:t>
+              <a:t>Reference: </a:t>
+            </a:r>
+            <a:r>
+              <a:rPr lang="en-GB" dirty="0" err="1"/>
+              <a:t>cottet</a:t>
+            </a:r>
+            <a:r>
+              <a:rPr lang="en-GB" dirty="0"/>
+              <a:t> thesis</a:t>
             </a:r>
           </a:p>
         </p:txBody>
@@ -3648,10 +4887,10 @@
       </p:grpSpPr>
       <p:sp>
         <p:nvSpPr>
-          <p:cNvPr id="2" name="Title 1">
-            <a:extLst>
-              <a:ext uri="{FF2B5EF4-FFF2-40B4-BE49-F238E27FC236}">
-                <a16:creationId xmlns:a16="http://schemas.microsoft.com/office/drawing/2014/main" id="{C0BFCF67-AA95-4432-BBD7-899B8E3BCC96}"/>
+          <p:cNvPr id="5" name="Title 4">
+            <a:extLst>
+              <a:ext uri="{FF2B5EF4-FFF2-40B4-BE49-F238E27FC236}">
+                <a16:creationId xmlns:a16="http://schemas.microsoft.com/office/drawing/2014/main" id="{11922198-7CE5-4837-97FB-C08DF8DC793D}"/>
               </a:ext>
             </a:extLst>
           </p:cNvPr>
@@ -3669,17 +4908,17 @@
           <a:p>
             <a:r>
               <a:rPr lang="en-GB" dirty="0"/>
-              <a:t>Methods</a:t>
-            </a:r>
-          </a:p>
-        </p:txBody>
-      </p:sp>
-      <p:sp>
-        <p:nvSpPr>
-          <p:cNvPr id="3" name="Content Placeholder 2">
-            <a:extLst>
-              <a:ext uri="{FF2B5EF4-FFF2-40B4-BE49-F238E27FC236}">
-                <a16:creationId xmlns:a16="http://schemas.microsoft.com/office/drawing/2014/main" id="{AFD46B7C-C72A-4871-AF0C-27B95E5DD2C6}"/>
+              <a:t>Motivation</a:t>
+            </a:r>
+          </a:p>
+        </p:txBody>
+      </p:sp>
+      <p:sp>
+        <p:nvSpPr>
+          <p:cNvPr id="6" name="Content Placeholder 5">
+            <a:extLst>
+              <a:ext uri="{FF2B5EF4-FFF2-40B4-BE49-F238E27FC236}">
+                <a16:creationId xmlns:a16="http://schemas.microsoft.com/office/drawing/2014/main" id="{915A0FE6-ED40-4176-9F4D-5344F5634E0E}"/>
               </a:ext>
             </a:extLst>
           </p:cNvPr>
@@ -3695,29 +4934,14 @@
           <a:bodyPr/>
           <a:lstStyle/>
           <a:p>
-            <a:r>
-              <a:rPr lang="en-GB" dirty="0"/>
-              <a:t>Analytical computing</a:t>
-            </a:r>
-          </a:p>
-          <a:p>
-            <a:r>
-              <a:rPr lang="en-GB" dirty="0"/>
-              <a:t>Numerical calculations</a:t>
-            </a:r>
-          </a:p>
-          <a:p>
-            <a:r>
-              <a:rPr lang="en-GB" dirty="0"/>
-              <a:t>Mathieu equations</a:t>
-            </a:r>
+            <a:endParaRPr lang="en-GB" dirty="0"/>
           </a:p>
         </p:txBody>
       </p:sp>
     </p:spTree>
     <p:extLst>
       <p:ext uri="{BB962C8B-B14F-4D97-AF65-F5344CB8AC3E}">
-        <p14:creationId xmlns:p14="http://schemas.microsoft.com/office/powerpoint/2010/main" val="3189507878"/>
+        <p14:creationId xmlns:p14="http://schemas.microsoft.com/office/powerpoint/2010/main" val="867765368"/>
       </p:ext>
     </p:extLst>
   </p:cSld>
@@ -3749,7 +4973,7 @@
           <p:cNvPr id="2" name="Title 1">
             <a:extLst>
               <a:ext uri="{FF2B5EF4-FFF2-40B4-BE49-F238E27FC236}">
-                <a16:creationId xmlns:a16="http://schemas.microsoft.com/office/drawing/2014/main" id="{A1F9C7A9-AB0C-4299-A0F1-611A94B07038}"/>
+                <a16:creationId xmlns:a16="http://schemas.microsoft.com/office/drawing/2014/main" id="{C0BFCF67-AA95-4432-BBD7-899B8E3BCC96}"/>
               </a:ext>
             </a:extLst>
           </p:cNvPr>
@@ -3767,7 +4991,7 @@
           <a:p>
             <a:r>
               <a:rPr lang="en-GB" dirty="0"/>
-              <a:t>Key Ideas</a:t>
+              <a:t>Methods</a:t>
             </a:r>
           </a:p>
         </p:txBody>
@@ -3777,7 +5001,7 @@
           <p:cNvPr id="3" name="Content Placeholder 2">
             <a:extLst>
               <a:ext uri="{FF2B5EF4-FFF2-40B4-BE49-F238E27FC236}">
-                <a16:creationId xmlns:a16="http://schemas.microsoft.com/office/drawing/2014/main" id="{65E7C30D-3350-4E8B-9742-278A46C7C85B}"/>
+                <a16:creationId xmlns:a16="http://schemas.microsoft.com/office/drawing/2014/main" id="{AFD46B7C-C72A-4871-AF0C-27B95E5DD2C6}"/>
               </a:ext>
             </a:extLst>
           </p:cNvPr>
@@ -3795,19 +5019,19 @@
           <a:p>
             <a:r>
               <a:rPr lang="en-GB" dirty="0"/>
-              <a:t>Hamiltonian of system</a:t>
+              <a:t>Analytical computing</a:t>
             </a:r>
           </a:p>
           <a:p>
             <a:r>
               <a:rPr lang="en-GB" dirty="0"/>
-              <a:t>Charge operator</a:t>
+              <a:t>Numerical calculations</a:t>
             </a:r>
           </a:p>
           <a:p>
             <a:r>
               <a:rPr lang="en-GB" dirty="0"/>
-              <a:t>Coupled states</a:t>
+              <a:t>Mathieu equations</a:t>
             </a:r>
           </a:p>
         </p:txBody>
@@ -3815,7 +5039,7 @@
     </p:spTree>
     <p:extLst>
       <p:ext uri="{BB962C8B-B14F-4D97-AF65-F5344CB8AC3E}">
-        <p14:creationId xmlns:p14="http://schemas.microsoft.com/office/powerpoint/2010/main" val="732262306"/>
+        <p14:creationId xmlns:p14="http://schemas.microsoft.com/office/powerpoint/2010/main" val="3189507878"/>
       </p:ext>
     </p:extLst>
   </p:cSld>
@@ -3847,7 +5071,7 @@
           <p:cNvPr id="2" name="Title 1">
             <a:extLst>
               <a:ext uri="{FF2B5EF4-FFF2-40B4-BE49-F238E27FC236}">
-                <a16:creationId xmlns:a16="http://schemas.microsoft.com/office/drawing/2014/main" id="{1BE95201-D982-40A7-9F43-3E733F0D524E}"/>
+                <a16:creationId xmlns:a16="http://schemas.microsoft.com/office/drawing/2014/main" id="{A1F9C7A9-AB0C-4299-A0F1-611A94B07038}"/>
               </a:ext>
             </a:extLst>
           </p:cNvPr>
@@ -3870,53 +5094,205 @@
           </a:p>
         </p:txBody>
       </p:sp>
-      <p:sp>
-        <p:nvSpPr>
-          <p:cNvPr id="3" name="Content Placeholder 2">
-            <a:extLst>
-              <a:ext uri="{FF2B5EF4-FFF2-40B4-BE49-F238E27FC236}">
-                <a16:creationId xmlns:a16="http://schemas.microsoft.com/office/drawing/2014/main" id="{40EB3F18-D1DA-40C4-9D5C-9EA988729DF2}"/>
-              </a:ext>
-            </a:extLst>
-          </p:cNvPr>
-          <p:cNvSpPr>
-            <a:spLocks noGrp="1"/>
-          </p:cNvSpPr>
+      <p:pic>
+        <p:nvPicPr>
+          <p:cNvPr id="1028" name="Picture 4" descr="http://latex2png.com/output/latex_63059bf409b96d2ac9e342c83cab07cb.png">
+            <a:extLst>
+              <a:ext uri="{FF2B5EF4-FFF2-40B4-BE49-F238E27FC236}">
+                <a16:creationId xmlns:a16="http://schemas.microsoft.com/office/drawing/2014/main" id="{77E51C84-131D-493F-9D4B-3D4028054012}"/>
+              </a:ext>
+            </a:extLst>
+          </p:cNvPr>
+          <p:cNvPicPr>
+            <a:picLocks noChangeAspect="1" noChangeArrowheads="1"/>
+          </p:cNvPicPr>
+          <p:nvPr/>
+        </p:nvPicPr>
+        <p:blipFill>
+          <a:blip r:embed="rId3">
+            <a:extLst>
+              <a:ext uri="{28A0092B-C50C-407E-A947-70E740481C1C}">
+                <a14:useLocalDpi xmlns:a14="http://schemas.microsoft.com/office/drawing/2010/main" val="0"/>
+              </a:ext>
+            </a:extLst>
+          </a:blip>
+          <a:srcRect/>
+          <a:stretch>
+            <a:fillRect/>
+          </a:stretch>
+        </p:blipFill>
+        <p:spPr bwMode="auto">
+          <a:xfrm>
+            <a:off x="1090612" y="1690688"/>
+            <a:ext cx="10010775" cy="981075"/>
+          </a:xfrm>
+          <a:prstGeom prst="rect">
+            <a:avLst/>
+          </a:prstGeom>
+          <a:noFill/>
+          <a:extLst>
+            <a:ext uri="{909E8E84-426E-40DD-AFC4-6F175D3DCCD1}">
+              <a14:hiddenFill xmlns:a14="http://schemas.microsoft.com/office/drawing/2010/main">
+                <a:solidFill>
+                  <a:srgbClr val="FFFFFF"/>
+                </a:solidFill>
+              </a14:hiddenFill>
+            </a:ext>
+          </a:extLst>
+        </p:spPr>
+      </p:pic>
+      <p:sp>
+        <p:nvSpPr>
+          <p:cNvPr id="6" name="TextBox 5">
+            <a:extLst>
+              <a:ext uri="{FF2B5EF4-FFF2-40B4-BE49-F238E27FC236}">
+                <a16:creationId xmlns:a16="http://schemas.microsoft.com/office/drawing/2014/main" id="{AE9EF8FC-3BF6-4619-B80F-C8B18DB9EE4B}"/>
+              </a:ext>
+            </a:extLst>
+          </p:cNvPr>
+          <p:cNvSpPr txBox="1"/>
+          <p:nvPr/>
+        </p:nvSpPr>
+        <p:spPr>
+          <a:xfrm>
+            <a:off x="490888" y="6054291"/>
+            <a:ext cx="6035040" cy="369332"/>
+          </a:xfrm>
+          <a:prstGeom prst="rect">
+            <a:avLst/>
+          </a:prstGeom>
+          <a:noFill/>
+        </p:spPr>
+        <p:txBody>
+          <a:bodyPr wrap="square" rtlCol="0">
+            <a:spAutoFit/>
+          </a:bodyPr>
+          <a:lstStyle/>
+          <a:p>
+            <a:r>
+              <a:rPr lang="en-GB" dirty="0"/>
+              <a:t>References!</a:t>
+            </a:r>
+          </a:p>
+        </p:txBody>
+      </p:sp>
+      <p:pic>
+        <p:nvPicPr>
+          <p:cNvPr id="9" name="Content Placeholder 3">
+            <a:extLst>
+              <a:ext uri="{FF2B5EF4-FFF2-40B4-BE49-F238E27FC236}">
+                <a16:creationId xmlns:a16="http://schemas.microsoft.com/office/drawing/2014/main" id="{C6D04254-7F70-4EE2-9BC4-AC39C0B6BE56}"/>
+              </a:ext>
+            </a:extLst>
+          </p:cNvPr>
+          <p:cNvPicPr>
+            <a:picLocks noGrp="1" noChangeAspect="1"/>
+          </p:cNvPicPr>
           <p:nvPr>
             <p:ph idx="1"/>
           </p:nvPr>
-        </p:nvSpPr>
-        <p:spPr/>
-        <p:txBody>
-          <a:bodyPr/>
-          <a:lstStyle/>
-          <a:p>
-            <a:r>
-              <a:rPr lang="en-GB" dirty="0"/>
-              <a:t>Energy formula</a:t>
-            </a:r>
-          </a:p>
-          <a:p>
-            <a:r>
-              <a:rPr lang="en-GB" dirty="0"/>
-              <a:t>Wavefunction formula</a:t>
-            </a:r>
-          </a:p>
-          <a:p>
-            <a:endParaRPr lang="en-GB" dirty="0"/>
-          </a:p>
-        </p:txBody>
-      </p:sp>
+        </p:nvPicPr>
+        <p:blipFill>
+          <a:blip r:embed="rId4"/>
+          <a:stretch>
+            <a:fillRect/>
+          </a:stretch>
+        </p:blipFill>
+        <p:spPr>
+          <a:xfrm>
+            <a:off x="0" y="3895593"/>
+            <a:ext cx="12207104" cy="934868"/>
+          </a:xfrm>
+          <a:prstGeom prst="rect">
+            <a:avLst/>
+          </a:prstGeom>
+        </p:spPr>
+      </p:pic>
     </p:spTree>
     <p:extLst>
       <p:ext uri="{BB962C8B-B14F-4D97-AF65-F5344CB8AC3E}">
-        <p14:creationId xmlns:p14="http://schemas.microsoft.com/office/powerpoint/2010/main" val="2530135622"/>
+        <p14:creationId xmlns:p14="http://schemas.microsoft.com/office/powerpoint/2010/main" val="732262306"/>
       </p:ext>
     </p:extLst>
   </p:cSld>
   <p:clrMapOvr>
     <a:masterClrMapping/>
   </p:clrMapOvr>
+  <p:timing>
+    <p:tnLst>
+      <p:par>
+        <p:cTn id="1" dur="indefinite" restart="never" nodeType="tmRoot">
+          <p:childTnLst>
+            <p:seq concurrent="1" nextAc="seek">
+              <p:cTn id="2" dur="indefinite" nodeType="mainSeq">
+                <p:childTnLst>
+                  <p:par>
+                    <p:cTn id="3" fill="hold">
+                      <p:stCondLst>
+                        <p:cond delay="indefinite"/>
+                      </p:stCondLst>
+                      <p:childTnLst>
+                        <p:par>
+                          <p:cTn id="4" fill="hold">
+                            <p:stCondLst>
+                              <p:cond delay="0"/>
+                            </p:stCondLst>
+                            <p:childTnLst>
+                              <p:par>
+                                <p:cTn id="5" presetID="1" presetClass="entr" presetSubtype="0" fill="hold" nodeType="clickEffect">
+                                  <p:stCondLst>
+                                    <p:cond delay="0"/>
+                                  </p:stCondLst>
+                                  <p:childTnLst>
+                                    <p:set>
+                                      <p:cBhvr>
+                                        <p:cTn id="6" dur="1" fill="hold">
+                                          <p:stCondLst>
+                                            <p:cond delay="0"/>
+                                          </p:stCondLst>
+                                        </p:cTn>
+                                        <p:tgtEl>
+                                          <p:spTgt spid="9"/>
+                                        </p:tgtEl>
+                                        <p:attrNameLst>
+                                          <p:attrName>style.visibility</p:attrName>
+                                        </p:attrNameLst>
+                                      </p:cBhvr>
+                                      <p:to>
+                                        <p:strVal val="visible"/>
+                                      </p:to>
+                                    </p:set>
+                                  </p:childTnLst>
+                                </p:cTn>
+                              </p:par>
+                            </p:childTnLst>
+                          </p:cTn>
+                        </p:par>
+                      </p:childTnLst>
+                    </p:cTn>
+                  </p:par>
+                </p:childTnLst>
+              </p:cTn>
+              <p:prevCondLst>
+                <p:cond evt="onPrev" delay="0">
+                  <p:tgtEl>
+                    <p:sldTgt/>
+                  </p:tgtEl>
+                </p:cond>
+              </p:prevCondLst>
+              <p:nextCondLst>
+                <p:cond evt="onNext" delay="0">
+                  <p:tgtEl>
+                    <p:sldTgt/>
+                  </p:tgtEl>
+                </p:cond>
+              </p:nextCondLst>
+            </p:seq>
+          </p:childTnLst>
+        </p:cTn>
+      </p:par>
+    </p:tnLst>
+  </p:timing>
 </p:sld>
 </file>
 
@@ -3982,7 +5358,7 @@
           </p:nvPr>
         </p:nvPicPr>
         <p:blipFill rotWithShape="1">
-          <a:blip r:embed="rId2"/>
+          <a:blip r:embed="rId3"/>
           <a:srcRect l="26693" r="14566"/>
           <a:stretch/>
         </p:blipFill>
@@ -3993,6 +5369,45 @@
           </a:xfrm>
         </p:spPr>
       </p:pic>
+      <p:sp>
+        <p:nvSpPr>
+          <p:cNvPr id="3" name="TextBox 2">
+            <a:extLst>
+              <a:ext uri="{FF2B5EF4-FFF2-40B4-BE49-F238E27FC236}">
+                <a16:creationId xmlns:a16="http://schemas.microsoft.com/office/drawing/2014/main" id="{A21C8C12-8BE6-4D8B-B1C8-7E7ECE728A69}"/>
+              </a:ext>
+            </a:extLst>
+          </p:cNvPr>
+          <p:cNvSpPr txBox="1"/>
+          <p:nvPr/>
+        </p:nvSpPr>
+        <p:spPr>
+          <a:xfrm>
+            <a:off x="838200" y="1876926"/>
+            <a:ext cx="1587366" cy="646331"/>
+          </a:xfrm>
+          <a:prstGeom prst="rect">
+            <a:avLst/>
+          </a:prstGeom>
+          <a:noFill/>
+        </p:spPr>
+        <p:txBody>
+          <a:bodyPr wrap="square" rtlCol="0">
+            <a:spAutoFit/>
+          </a:bodyPr>
+          <a:lstStyle/>
+          <a:p>
+            <a:r>
+              <a:rPr lang="en-GB" dirty="0" err="1"/>
+              <a:t>Todo</a:t>
+            </a:r>
+            <a:r>
+              <a:rPr lang="en-GB" dirty="0"/>
+              <a:t> – get rid of title</a:t>
+            </a:r>
+          </a:p>
+        </p:txBody>
+      </p:sp>
     </p:spTree>
     <p:extLst>
       <p:ext uri="{BB962C8B-B14F-4D97-AF65-F5344CB8AC3E}">
@@ -4028,7 +5443,7 @@
           <p:cNvPr id="2" name="Title 1">
             <a:extLst>
               <a:ext uri="{FF2B5EF4-FFF2-40B4-BE49-F238E27FC236}">
-                <a16:creationId xmlns:a16="http://schemas.microsoft.com/office/drawing/2014/main" id="{FD849246-57CD-4CE4-AC86-942B48C31DE3}"/>
+                <a16:creationId xmlns:a16="http://schemas.microsoft.com/office/drawing/2014/main" id="{6D5678B8-377F-4DE2-B9FB-738C4A8E8AFE}"/>
               </a:ext>
             </a:extLst>
           </p:cNvPr>
@@ -4044,10 +5459,7 @@
           <a:bodyPr/>
           <a:lstStyle/>
           <a:p>
-            <a:r>
-              <a:rPr lang="en-GB" dirty="0"/>
-              <a:t>eigenvalues</a:t>
-            </a:r>
+            <a:endParaRPr lang="en-GB" dirty="0"/>
           </a:p>
         </p:txBody>
       </p:sp>
@@ -4056,7 +5468,7 @@
           <p:cNvPr id="3" name="Content Placeholder 2">
             <a:extLst>
               <a:ext uri="{FF2B5EF4-FFF2-40B4-BE49-F238E27FC236}">
-                <a16:creationId xmlns:a16="http://schemas.microsoft.com/office/drawing/2014/main" id="{5D5FAA4E-885C-43FD-93A4-7551957D4438}"/>
+                <a16:creationId xmlns:a16="http://schemas.microsoft.com/office/drawing/2014/main" id="{2173954A-4236-4B6B-9F7D-7EF21F16A491}"/>
               </a:ext>
             </a:extLst>
           </p:cNvPr>
@@ -4072,35 +5484,14 @@
           <a:bodyPr/>
           <a:lstStyle/>
           <a:p>
-            <a:r>
-              <a:rPr lang="en-GB" dirty="0"/>
-              <a:t>Koch </a:t>
-            </a:r>
-          </a:p>
-          <a:p>
-            <a:r>
-              <a:rPr lang="en-GB" dirty="0" err="1"/>
-              <a:t>Cottett</a:t>
-            </a:r>
-            <a:endParaRPr lang="en-GB" dirty="0"/>
-          </a:p>
-          <a:p>
-            <a:r>
-              <a:rPr lang="en-GB" dirty="0"/>
-              <a:t>Python/</a:t>
-            </a:r>
-            <a:r>
-              <a:rPr lang="en-GB" dirty="0" err="1"/>
-              <a:t>mathematica</a:t>
-            </a:r>
-            <a:endParaRPr lang="en-GB" dirty="0"/>
+            <a:endParaRPr lang="en-GB"/>
           </a:p>
         </p:txBody>
       </p:sp>
     </p:spTree>
     <p:extLst>
       <p:ext uri="{BB962C8B-B14F-4D97-AF65-F5344CB8AC3E}">
-        <p14:creationId xmlns:p14="http://schemas.microsoft.com/office/powerpoint/2010/main" val="2559475289"/>
+        <p14:creationId xmlns:p14="http://schemas.microsoft.com/office/powerpoint/2010/main" val="228407813"/>
       </p:ext>
     </p:extLst>
   </p:cSld>
@@ -4132,7 +5523,7 @@
           <p:cNvPr id="2" name="Title 1">
             <a:extLst>
               <a:ext uri="{FF2B5EF4-FFF2-40B4-BE49-F238E27FC236}">
-                <a16:creationId xmlns:a16="http://schemas.microsoft.com/office/drawing/2014/main" id="{2B53B622-25EB-4F9D-AC33-210EBBCA35C7}"/>
+                <a16:creationId xmlns:a16="http://schemas.microsoft.com/office/drawing/2014/main" id="{1BE95201-D982-40A7-9F43-3E733F0D524E}"/>
               </a:ext>
             </a:extLst>
           </p:cNvPr>
@@ -4149,18 +5540,9 @@
           <a:lstStyle/>
           <a:p>
             <a:r>
-              <a:rPr lang="en-GB" dirty="0" err="1"/>
-              <a:t>Wavefuntion</a:t>
-            </a:r>
-            <a:r>
               <a:rPr lang="en-GB" dirty="0"/>
-              <a:t>/Probability </a:t>
-            </a:r>
-            <a:r>
-              <a:rPr lang="en-GB" dirty="0" err="1"/>
-              <a:t>distrobution</a:t>
-            </a:r>
-            <a:endParaRPr lang="en-GB" dirty="0"/>
+              <a:t>Key Ideas</a:t>
+            </a:r>
           </a:p>
         </p:txBody>
       </p:sp>
@@ -4169,7 +5551,7 @@
           <p:cNvPr id="3" name="Content Placeholder 2">
             <a:extLst>
               <a:ext uri="{FF2B5EF4-FFF2-40B4-BE49-F238E27FC236}">
-                <a16:creationId xmlns:a16="http://schemas.microsoft.com/office/drawing/2014/main" id="{27711A33-0088-417D-960E-896F089CAC24}"/>
+                <a16:creationId xmlns:a16="http://schemas.microsoft.com/office/drawing/2014/main" id="{40EB3F18-D1DA-40C4-9D5C-9EA988729DF2}"/>
               </a:ext>
             </a:extLst>
           </p:cNvPr>
@@ -4184,6 +5566,18 @@
         <p:txBody>
           <a:bodyPr/>
           <a:lstStyle/>
+          <a:p>
+            <a:r>
+              <a:rPr lang="en-GB" dirty="0"/>
+              <a:t>Energy formula</a:t>
+            </a:r>
+          </a:p>
+          <a:p>
+            <a:r>
+              <a:rPr lang="en-GB" dirty="0"/>
+              <a:t>Wavefunction formula</a:t>
+            </a:r>
+          </a:p>
           <a:p>
             <a:endParaRPr lang="en-GB" dirty="0"/>
           </a:p>
@@ -4192,7 +5586,7 @@
     </p:spTree>
     <p:extLst>
       <p:ext uri="{BB962C8B-B14F-4D97-AF65-F5344CB8AC3E}">
-        <p14:creationId xmlns:p14="http://schemas.microsoft.com/office/powerpoint/2010/main" val="462499914"/>
+        <p14:creationId xmlns:p14="http://schemas.microsoft.com/office/powerpoint/2010/main" val="2530135622"/>
       </p:ext>
     </p:extLst>
   </p:cSld>
@@ -4224,7 +5618,7 @@
           <p:cNvPr id="2" name="Title 1">
             <a:extLst>
               <a:ext uri="{FF2B5EF4-FFF2-40B4-BE49-F238E27FC236}">
-                <a16:creationId xmlns:a16="http://schemas.microsoft.com/office/drawing/2014/main" id="{4119B354-53F7-4292-B0D3-1503275CE616}"/>
+                <a16:creationId xmlns:a16="http://schemas.microsoft.com/office/drawing/2014/main" id="{FD849246-57CD-4CE4-AC86-942B48C31DE3}"/>
               </a:ext>
             </a:extLst>
           </p:cNvPr>
@@ -4242,7 +5636,7 @@
           <a:p>
             <a:r>
               <a:rPr lang="en-GB" dirty="0"/>
-              <a:t>Conclusion</a:t>
+              <a:t>eigenvalues</a:t>
             </a:r>
           </a:p>
         </p:txBody>
@@ -4252,7 +5646,7 @@
           <p:cNvPr id="3" name="Content Placeholder 2">
             <a:extLst>
               <a:ext uri="{FF2B5EF4-FFF2-40B4-BE49-F238E27FC236}">
-                <a16:creationId xmlns:a16="http://schemas.microsoft.com/office/drawing/2014/main" id="{C73D1B8F-1BB6-481C-940A-91DBCD6D6D14}"/>
+                <a16:creationId xmlns:a16="http://schemas.microsoft.com/office/drawing/2014/main" id="{5D5FAA4E-885C-43FD-93A4-7551957D4438}"/>
               </a:ext>
             </a:extLst>
           </p:cNvPr>
@@ -4268,14 +5662,35 @@
           <a:bodyPr/>
           <a:lstStyle/>
           <a:p>
-            <a:endParaRPr lang="en-GB"/>
+            <a:r>
+              <a:rPr lang="en-GB" dirty="0"/>
+              <a:t>Koch </a:t>
+            </a:r>
+          </a:p>
+          <a:p>
+            <a:r>
+              <a:rPr lang="en-GB" dirty="0" err="1"/>
+              <a:t>Cottett</a:t>
+            </a:r>
+            <a:endParaRPr lang="en-GB" dirty="0"/>
+          </a:p>
+          <a:p>
+            <a:r>
+              <a:rPr lang="en-GB" dirty="0"/>
+              <a:t>Python/</a:t>
+            </a:r>
+            <a:r>
+              <a:rPr lang="en-GB" dirty="0" err="1"/>
+              <a:t>mathematica</a:t>
+            </a:r>
+            <a:endParaRPr lang="en-GB" dirty="0"/>
           </a:p>
         </p:txBody>
       </p:sp>
     </p:spTree>
     <p:extLst>
       <p:ext uri="{BB962C8B-B14F-4D97-AF65-F5344CB8AC3E}">
-        <p14:creationId xmlns:p14="http://schemas.microsoft.com/office/powerpoint/2010/main" val="1929177404"/>
+        <p14:creationId xmlns:p14="http://schemas.microsoft.com/office/powerpoint/2010/main" val="2559475289"/>
       </p:ext>
     </p:extLst>
   </p:cSld>
@@ -4578,4 +5993,299 @@
     </a:ext>
   </a:extLst>
 </a:theme>
+</file>
+
+<file path=ppt/theme/theme2.xml><?xml version="1.0" encoding="utf-8"?>
+<a:theme xmlns:a="http://schemas.openxmlformats.org/drawingml/2006/main" name="Office Theme">
+  <a:themeElements>
+    <a:clrScheme name="Office">
+      <a:dk1>
+        <a:sysClr val="windowText" lastClr="000000"/>
+      </a:dk1>
+      <a:lt1>
+        <a:sysClr val="window" lastClr="FFFFFF"/>
+      </a:lt1>
+      <a:dk2>
+        <a:srgbClr val="44546A"/>
+      </a:dk2>
+      <a:lt2>
+        <a:srgbClr val="E7E6E6"/>
+      </a:lt2>
+      <a:accent1>
+        <a:srgbClr val="4472C4"/>
+      </a:accent1>
+      <a:accent2>
+        <a:srgbClr val="ED7D31"/>
+      </a:accent2>
+      <a:accent3>
+        <a:srgbClr val="A5A5A5"/>
+      </a:accent3>
+      <a:accent4>
+        <a:srgbClr val="FFC000"/>
+      </a:accent4>
+      <a:accent5>
+        <a:srgbClr val="5B9BD5"/>
+      </a:accent5>
+      <a:accent6>
+        <a:srgbClr val="70AD47"/>
+      </a:accent6>
+      <a:hlink>
+        <a:srgbClr val="0563C1"/>
+      </a:hlink>
+      <a:folHlink>
+        <a:srgbClr val="954F72"/>
+      </a:folHlink>
+    </a:clrScheme>
+    <a:fontScheme name="Office">
+      <a:majorFont>
+        <a:latin typeface="Calibri Light" panose="020F0302020204030204"/>
+        <a:ea typeface=""/>
+        <a:cs typeface=""/>
+        <a:font script="Jpan" typeface="游ゴシック Light"/>
+        <a:font script="Hang" typeface="맑은 고딕"/>
+        <a:font script="Hans" typeface="等线 Light"/>
+        <a:font script="Hant" typeface="新細明體"/>
+        <a:font script="Arab" typeface="Times New Roman"/>
+        <a:font script="Hebr" typeface="Times New Roman"/>
+        <a:font script="Thai" typeface="Angsana New"/>
+        <a:font script="Ethi" typeface="Nyala"/>
+        <a:font script="Beng" typeface="Vrinda"/>
+        <a:font script="Gujr" typeface="Shruti"/>
+        <a:font script="Khmr" typeface="MoolBoran"/>
+        <a:font script="Knda" typeface="Tunga"/>
+        <a:font script="Guru" typeface="Raavi"/>
+        <a:font script="Cans" typeface="Euphemia"/>
+        <a:font script="Cher" typeface="Plantagenet Cherokee"/>
+        <a:font script="Yiii" typeface="Microsoft Yi Baiti"/>
+        <a:font script="Tibt" typeface="Microsoft Himalaya"/>
+        <a:font script="Thaa" typeface="MV Boli"/>
+        <a:font script="Deva" typeface="Mangal"/>
+        <a:font script="Telu" typeface="Gautami"/>
+        <a:font script="Taml" typeface="Latha"/>
+        <a:font script="Syrc" typeface="Estrangelo Edessa"/>
+        <a:font script="Orya" typeface="Kalinga"/>
+        <a:font script="Mlym" typeface="Kartika"/>
+        <a:font script="Laoo" typeface="DokChampa"/>
+        <a:font script="Sinh" typeface="Iskoola Pota"/>
+        <a:font script="Mong" typeface="Mongolian Baiti"/>
+        <a:font script="Viet" typeface="Times New Roman"/>
+        <a:font script="Uigh" typeface="Microsoft Uighur"/>
+        <a:font script="Geor" typeface="Sylfaen"/>
+        <a:font script="Armn" typeface="Arial"/>
+        <a:font script="Bugi" typeface="Leelawadee UI"/>
+        <a:font script="Bopo" typeface="Microsoft JhengHei"/>
+        <a:font script="Java" typeface="Javanese Text"/>
+        <a:font script="Lisu" typeface="Segoe UI"/>
+        <a:font script="Mymr" typeface="Myanmar Text"/>
+        <a:font script="Nkoo" typeface="Ebrima"/>
+        <a:font script="Olck" typeface="Nirmala UI"/>
+        <a:font script="Osma" typeface="Ebrima"/>
+        <a:font script="Phag" typeface="Phagspa"/>
+        <a:font script="Syrn" typeface="Estrangelo Edessa"/>
+        <a:font script="Syrj" typeface="Estrangelo Edessa"/>
+        <a:font script="Syre" typeface="Estrangelo Edessa"/>
+        <a:font script="Sora" typeface="Nirmala UI"/>
+        <a:font script="Tale" typeface="Microsoft Tai Le"/>
+        <a:font script="Talu" typeface="Microsoft New Tai Lue"/>
+        <a:font script="Tfng" typeface="Ebrima"/>
+      </a:majorFont>
+      <a:minorFont>
+        <a:latin typeface="Calibri" panose="020F0502020204030204"/>
+        <a:ea typeface=""/>
+        <a:cs typeface=""/>
+        <a:font script="Jpan" typeface="游ゴシック"/>
+        <a:font script="Hang" typeface="맑은 고딕"/>
+        <a:font script="Hans" typeface="等线"/>
+        <a:font script="Hant" typeface="新細明體"/>
+        <a:font script="Arab" typeface="Arial"/>
+        <a:font script="Hebr" typeface="Arial"/>
+        <a:font script="Thai" typeface="Cordia New"/>
+        <a:font script="Ethi" typeface="Nyala"/>
+        <a:font script="Beng" typeface="Vrinda"/>
+        <a:font script="Gujr" typeface="Shruti"/>
+        <a:font script="Khmr" typeface="DaunPenh"/>
+        <a:font script="Knda" typeface="Tunga"/>
+        <a:font script="Guru" typeface="Raavi"/>
+        <a:font script="Cans" typeface="Euphemia"/>
+        <a:font script="Cher" typeface="Plantagenet Cherokee"/>
+        <a:font script="Yiii" typeface="Microsoft Yi Baiti"/>
+        <a:font script="Tibt" typeface="Microsoft Himalaya"/>
+        <a:font script="Thaa" typeface="MV Boli"/>
+        <a:font script="Deva" typeface="Mangal"/>
+        <a:font script="Telu" typeface="Gautami"/>
+        <a:font script="Taml" typeface="Latha"/>
+        <a:font script="Syrc" typeface="Estrangelo Edessa"/>
+        <a:font script="Orya" typeface="Kalinga"/>
+        <a:font script="Mlym" typeface="Kartika"/>
+        <a:font script="Laoo" typeface="DokChampa"/>
+        <a:font script="Sinh" typeface="Iskoola Pota"/>
+        <a:font script="Mong" typeface="Mongolian Baiti"/>
+        <a:font script="Viet" typeface="Arial"/>
+        <a:font script="Uigh" typeface="Microsoft Uighur"/>
+        <a:font script="Geor" typeface="Sylfaen"/>
+        <a:font script="Armn" typeface="Arial"/>
+        <a:font script="Bugi" typeface="Leelawadee UI"/>
+        <a:font script="Bopo" typeface="Microsoft JhengHei"/>
+        <a:font script="Java" typeface="Javanese Text"/>
+        <a:font script="Lisu" typeface="Segoe UI"/>
+        <a:font script="Mymr" typeface="Myanmar Text"/>
+        <a:font script="Nkoo" typeface="Ebrima"/>
+        <a:font script="Olck" typeface="Nirmala UI"/>
+        <a:font script="Osma" typeface="Ebrima"/>
+        <a:font script="Phag" typeface="Phagspa"/>
+        <a:font script="Syrn" typeface="Estrangelo Edessa"/>
+        <a:font script="Syrj" typeface="Estrangelo Edessa"/>
+        <a:font script="Syre" typeface="Estrangelo Edessa"/>
+        <a:font script="Sora" typeface="Nirmala UI"/>
+        <a:font script="Tale" typeface="Microsoft Tai Le"/>
+        <a:font script="Talu" typeface="Microsoft New Tai Lue"/>
+        <a:font script="Tfng" typeface="Ebrima"/>
+      </a:minorFont>
+    </a:fontScheme>
+    <a:fmtScheme name="Office">
+      <a:fillStyleLst>
+        <a:solidFill>
+          <a:schemeClr val="phClr"/>
+        </a:solidFill>
+        <a:gradFill rotWithShape="1">
+          <a:gsLst>
+            <a:gs pos="0">
+              <a:schemeClr val="phClr">
+                <a:lumMod val="110000"/>
+                <a:satMod val="105000"/>
+                <a:tint val="67000"/>
+              </a:schemeClr>
+            </a:gs>
+            <a:gs pos="50000">
+              <a:schemeClr val="phClr">
+                <a:lumMod val="105000"/>
+                <a:satMod val="103000"/>
+                <a:tint val="73000"/>
+              </a:schemeClr>
+            </a:gs>
+            <a:gs pos="100000">
+              <a:schemeClr val="phClr">
+                <a:lumMod val="105000"/>
+                <a:satMod val="109000"/>
+                <a:tint val="81000"/>
+              </a:schemeClr>
+            </a:gs>
+          </a:gsLst>
+          <a:lin ang="5400000" scaled="0"/>
+        </a:gradFill>
+        <a:gradFill rotWithShape="1">
+          <a:gsLst>
+            <a:gs pos="0">
+              <a:schemeClr val="phClr">
+                <a:satMod val="103000"/>
+                <a:lumMod val="102000"/>
+                <a:tint val="94000"/>
+              </a:schemeClr>
+            </a:gs>
+            <a:gs pos="50000">
+              <a:schemeClr val="phClr">
+                <a:satMod val="110000"/>
+                <a:lumMod val="100000"/>
+                <a:shade val="100000"/>
+              </a:schemeClr>
+            </a:gs>
+            <a:gs pos="100000">
+              <a:schemeClr val="phClr">
+                <a:lumMod val="99000"/>
+                <a:satMod val="120000"/>
+                <a:shade val="78000"/>
+              </a:schemeClr>
+            </a:gs>
+          </a:gsLst>
+          <a:lin ang="5400000" scaled="0"/>
+        </a:gradFill>
+      </a:fillStyleLst>
+      <a:lnStyleLst>
+        <a:ln w="6350" cap="flat" cmpd="sng" algn="ctr">
+          <a:solidFill>
+            <a:schemeClr val="phClr"/>
+          </a:solidFill>
+          <a:prstDash val="solid"/>
+          <a:miter lim="800000"/>
+        </a:ln>
+        <a:ln w="12700" cap="flat" cmpd="sng" algn="ctr">
+          <a:solidFill>
+            <a:schemeClr val="phClr"/>
+          </a:solidFill>
+          <a:prstDash val="solid"/>
+          <a:miter lim="800000"/>
+        </a:ln>
+        <a:ln w="19050" cap="flat" cmpd="sng" algn="ctr">
+          <a:solidFill>
+            <a:schemeClr val="phClr"/>
+          </a:solidFill>
+          <a:prstDash val="solid"/>
+          <a:miter lim="800000"/>
+        </a:ln>
+      </a:lnStyleLst>
+      <a:effectStyleLst>
+        <a:effectStyle>
+          <a:effectLst/>
+        </a:effectStyle>
+        <a:effectStyle>
+          <a:effectLst/>
+        </a:effectStyle>
+        <a:effectStyle>
+          <a:effectLst>
+            <a:outerShdw blurRad="57150" dist="19050" dir="5400000" algn="ctr" rotWithShape="0">
+              <a:srgbClr val="000000">
+                <a:alpha val="63000"/>
+              </a:srgbClr>
+            </a:outerShdw>
+          </a:effectLst>
+        </a:effectStyle>
+      </a:effectStyleLst>
+      <a:bgFillStyleLst>
+        <a:solidFill>
+          <a:schemeClr val="phClr"/>
+        </a:solidFill>
+        <a:solidFill>
+          <a:schemeClr val="phClr">
+            <a:tint val="95000"/>
+            <a:satMod val="170000"/>
+          </a:schemeClr>
+        </a:solidFill>
+        <a:gradFill rotWithShape="1">
+          <a:gsLst>
+            <a:gs pos="0">
+              <a:schemeClr val="phClr">
+                <a:tint val="93000"/>
+                <a:satMod val="150000"/>
+                <a:shade val="98000"/>
+                <a:lumMod val="102000"/>
+              </a:schemeClr>
+            </a:gs>
+            <a:gs pos="50000">
+              <a:schemeClr val="phClr">
+                <a:tint val="98000"/>
+                <a:satMod val="130000"/>
+                <a:shade val="90000"/>
+                <a:lumMod val="103000"/>
+              </a:schemeClr>
+            </a:gs>
+            <a:gs pos="100000">
+              <a:schemeClr val="phClr">
+                <a:shade val="63000"/>
+                <a:satMod val="120000"/>
+              </a:schemeClr>
+            </a:gs>
+          </a:gsLst>
+          <a:lin ang="5400000" scaled="0"/>
+        </a:gradFill>
+      </a:bgFillStyleLst>
+    </a:fmtScheme>
+  </a:themeElements>
+  <a:objectDefaults/>
+  <a:extraClrSchemeLst/>
+  <a:extLst>
+    <a:ext uri="{05A4C25C-085E-4340-85A3-A5531E510DB2}">
+      <thm15:themeFamily xmlns:thm15="http://schemas.microsoft.com/office/thememl/2012/main" name="Office Theme" id="{62F939B6-93AF-4DB8-9C6B-D6C7DFDC589F}" vid="{4A3C46E8-61CC-4603-A589-7422A47A8E4A}"/>
+    </a:ext>
+  </a:extLst>
+</a:theme>
 </file>
--- a/fyp_presentation.pptx
+++ b/fyp_presentation.pptx
@@ -5,21 +5,20 @@
     <p:sldMasterId id="2147483708" r:id="rId1"/>
   </p:sldMasterIdLst>
   <p:notesMasterIdLst>
-    <p:notesMasterId r:id="rId14"/>
+    <p:notesMasterId r:id="rId13"/>
   </p:notesMasterIdLst>
   <p:sldIdLst>
     <p:sldId id="256" r:id="rId2"/>
     <p:sldId id="257" r:id="rId3"/>
     <p:sldId id="266" r:id="rId4"/>
-    <p:sldId id="258" r:id="rId5"/>
-    <p:sldId id="259" r:id="rId6"/>
-    <p:sldId id="261" r:id="rId7"/>
-    <p:sldId id="267" r:id="rId8"/>
-    <p:sldId id="260" r:id="rId9"/>
-    <p:sldId id="262" r:id="rId10"/>
-    <p:sldId id="263" r:id="rId11"/>
+    <p:sldId id="259" r:id="rId5"/>
+    <p:sldId id="261" r:id="rId6"/>
+    <p:sldId id="267" r:id="rId7"/>
+    <p:sldId id="260" r:id="rId8"/>
+    <p:sldId id="262" r:id="rId9"/>
+    <p:sldId id="269" r:id="rId10"/>
+    <p:sldId id="268" r:id="rId11"/>
     <p:sldId id="264" r:id="rId12"/>
-    <p:sldId id="265" r:id="rId13"/>
   </p:sldIdLst>
   <p:sldSz cx="12192000" cy="6858000"/>
   <p:notesSz cx="6858000" cy="9144000"/>
@@ -122,6 +121,9 @@
     <p:ext uri="{EFAFB233-063F-42B5-8137-9DF3F51BA10A}">
       <p15:sldGuideLst xmlns:p15="http://schemas.microsoft.com/office/powerpoint/2012/main"/>
     </p:ext>
+    <p:ext uri="{2D200454-40CA-4A62-9FC3-DE9A4176ACB9}">
+      <p15:notesGuideLst xmlns:p15="http://schemas.microsoft.com/office/powerpoint/2012/main"/>
+    </p:ext>
   </p:extLst>
 </p:presentation>
 </file>
@@ -212,7 +214,7 @@
           <a:p>
             <a:fld id="{67F5BA08-B787-49E1-A552-26C3CCB561A3}" type="datetimeFigureOut">
               <a:rPr lang="en-GB" smtClean="0"/>
-              <a:t>30/04/2018</a:t>
+              <a:t>01/05/2018</a:t>
             </a:fld>
             <a:endParaRPr lang="en-GB"/>
           </a:p>
@@ -765,15 +767,65 @@
           <a:p>
             <a:r>
               <a:rPr lang="en-GB" dirty="0"/>
-              <a:t>The simulation will</a:t>
+              <a:t>This is the Hamiltonian</a:t>
             </a:r>
             <a:r>
               <a:rPr lang="en-GB" baseline="0" dirty="0"/>
-              <a:t> compare </a:t>
-            </a:r>
+              <a:t> of the system, where *explain all the things*</a:t>
+            </a:r>
+          </a:p>
+          <a:p>
             <a:r>
               <a:rPr lang="en-GB" baseline="0" dirty="0" err="1"/>
-              <a:t>va</a:t>
+              <a:t>Ec</a:t>
+            </a:r>
+            <a:r>
+              <a:rPr lang="en-GB" baseline="0" dirty="0"/>
+              <a:t> – charge/capacitance energy</a:t>
+            </a:r>
+          </a:p>
+          <a:p>
+            <a:r>
+              <a:rPr lang="en-GB" baseline="0" dirty="0" err="1"/>
+              <a:t>Ej</a:t>
+            </a:r>
+            <a:r>
+              <a:rPr lang="en-GB" baseline="0" dirty="0"/>
+              <a:t> – </a:t>
+            </a:r>
+            <a:r>
+              <a:rPr lang="en-GB" baseline="0" dirty="0" err="1"/>
+              <a:t>josphson</a:t>
+            </a:r>
+            <a:r>
+              <a:rPr lang="en-GB" baseline="0" dirty="0"/>
+              <a:t> energy</a:t>
+            </a:r>
+          </a:p>
+          <a:p>
+            <a:r>
+              <a:rPr lang="en-GB" baseline="0" dirty="0"/>
+              <a:t>Ng – </a:t>
+            </a:r>
+            <a:r>
+              <a:rPr lang="en-GB" sz="1200" b="0" i="0" u="none" strike="noStrike" kern="1200" baseline="0" dirty="0">
+                <a:solidFill>
+                  <a:schemeClr val="tx1"/>
+                </a:solidFill>
+                <a:latin typeface="+mn-lt"/>
+                <a:ea typeface="+mn-ea"/>
+                <a:cs typeface="+mn-cs"/>
+              </a:rPr>
+              <a:t>reduced gate charge</a:t>
+            </a:r>
+          </a:p>
+          <a:p>
+            <a:endParaRPr lang="en-GB" baseline="0" dirty="0"/>
+          </a:p>
+          <a:p>
+            <a:r>
+              <a:rPr lang="en-GB" baseline="0" dirty="0"/>
+              <a:t>The charge operator tells you the difference between the amount of cooper pairs on either side of the junction. It is not the rate of change of cooper pairs, it is the change</a:t>
             </a:r>
             <a:endParaRPr lang="en-GB" dirty="0"/>
           </a:p>
@@ -805,7 +857,7 @@
     </p:spTree>
     <p:extLst>
       <p:ext uri="{BB962C8B-B14F-4D97-AF65-F5344CB8AC3E}">
-        <p14:creationId xmlns:p14="http://schemas.microsoft.com/office/powerpoint/2010/main" val="2430395884"/>
+        <p14:creationId xmlns:p14="http://schemas.microsoft.com/office/powerpoint/2010/main" val="1939826633"/>
       </p:ext>
     </p:extLst>
   </p:cSld>
@@ -861,65 +913,23 @@
           <a:p>
             <a:r>
               <a:rPr lang="en-GB" dirty="0"/>
-              <a:t>This is the Hamiltonian</a:t>
+              <a:t>Key points       – becomes</a:t>
             </a:r>
             <a:r>
               <a:rPr lang="en-GB" baseline="0" dirty="0"/>
-              <a:t> of the system, where *explain all the things*</a:t>
-            </a:r>
-          </a:p>
-          <a:p>
-            <a:r>
-              <a:rPr lang="en-GB" baseline="0" dirty="0" err="1"/>
-              <a:t>Ec</a:t>
-            </a:r>
+              <a:t> like a charge state for high values of n</a:t>
+            </a:r>
+          </a:p>
+          <a:p>
             <a:r>
               <a:rPr lang="en-GB" baseline="0" dirty="0"/>
-              <a:t> – charge/capacitance energy</a:t>
-            </a:r>
-          </a:p>
-          <a:p>
-            <a:r>
-              <a:rPr lang="en-GB" baseline="0" dirty="0" err="1"/>
-              <a:t>Ej</a:t>
-            </a:r>
+              <a:t>	- opposite states are degenerate</a:t>
+            </a:r>
+          </a:p>
+          <a:p>
             <a:r>
               <a:rPr lang="en-GB" baseline="0" dirty="0"/>
-              <a:t> – </a:t>
-            </a:r>
-            <a:r>
-              <a:rPr lang="en-GB" baseline="0" dirty="0" err="1"/>
-              <a:t>josphson</a:t>
-            </a:r>
-            <a:r>
-              <a:rPr lang="en-GB" baseline="0" dirty="0"/>
-              <a:t> energy</a:t>
-            </a:r>
-          </a:p>
-          <a:p>
-            <a:r>
-              <a:rPr lang="en-GB" baseline="0" dirty="0"/>
-              <a:t>Ng – </a:t>
-            </a:r>
-            <a:r>
-              <a:rPr lang="en-GB" sz="1200" b="0" i="0" u="none" strike="noStrike" kern="1200" baseline="0" dirty="0">
-                <a:solidFill>
-                  <a:schemeClr val="tx1"/>
-                </a:solidFill>
-                <a:latin typeface="+mn-lt"/>
-                <a:ea typeface="+mn-ea"/>
-                <a:cs typeface="+mn-cs"/>
-              </a:rPr>
-              <a:t>reduced gate charge</a:t>
-            </a:r>
-          </a:p>
-          <a:p>
-            <a:endParaRPr lang="en-GB" baseline="0" dirty="0"/>
-          </a:p>
-          <a:p>
-            <a:r>
-              <a:rPr lang="en-GB" baseline="0" dirty="0"/>
-              <a:t>The charge operator tells you the difference between the amount of cooper pairs on either side of the junction. It is not the rate of change of cooper pairs, it is the change</a:t>
+              <a:t>	- adjacent states aren’t really coupled</a:t>
             </a:r>
             <a:endParaRPr lang="en-GB" dirty="0"/>
           </a:p>
@@ -951,7 +961,7 @@
     </p:spTree>
     <p:extLst>
       <p:ext uri="{BB962C8B-B14F-4D97-AF65-F5344CB8AC3E}">
-        <p14:creationId xmlns:p14="http://schemas.microsoft.com/office/powerpoint/2010/main" val="1939826633"/>
+        <p14:creationId xmlns:p14="http://schemas.microsoft.com/office/powerpoint/2010/main" val="2841096127"/>
       </p:ext>
     </p:extLst>
   </p:cSld>
@@ -1007,25 +1017,8 @@
           <a:p>
             <a:r>
               <a:rPr lang="en-GB" dirty="0"/>
-              <a:t>Key points       – becomes</a:t>
-            </a:r>
-            <a:r>
-              <a:rPr lang="en-GB" baseline="0" dirty="0"/>
-              <a:t> like a charge state for high values of n</a:t>
-            </a:r>
-          </a:p>
-          <a:p>
-            <a:r>
-              <a:rPr lang="en-GB" baseline="0" dirty="0"/>
-              <a:t>	- opposite states are degenerate</a:t>
-            </a:r>
-          </a:p>
-          <a:p>
-            <a:r>
-              <a:rPr lang="en-GB" baseline="0" dirty="0"/>
-              <a:t>	- adjacent states aren’t really coupled</a:t>
-            </a:r>
-            <a:endParaRPr lang="en-GB" dirty="0"/>
+              <a:t>Strongly coupled states are degenerate – these correspond to opposite charge states</a:t>
+            </a:r>
           </a:p>
         </p:txBody>
       </p:sp>
@@ -1055,7 +1048,7 @@
     </p:spTree>
     <p:extLst>
       <p:ext uri="{BB962C8B-B14F-4D97-AF65-F5344CB8AC3E}">
-        <p14:creationId xmlns:p14="http://schemas.microsoft.com/office/powerpoint/2010/main" val="2841096127"/>
+        <p14:creationId xmlns:p14="http://schemas.microsoft.com/office/powerpoint/2010/main" val="2865286198"/>
       </p:ext>
     </p:extLst>
   </p:cSld>
@@ -1214,7 +1207,7 @@
           <a:p>
             <a:fld id="{1160EA64-D806-43AC-9DF2-F8C432F32B4C}" type="datetimeFigureOut">
               <a:rPr lang="en-US" smtClean="0"/>
-              <a:t>4/30/2018</a:t>
+              <a:t>5/1/2018</a:t>
             </a:fld>
             <a:endParaRPr lang="en-US" dirty="0"/>
           </a:p>
@@ -1415,7 +1408,7 @@
           <a:p>
             <a:fld id="{E9F9C37B-1D36-470B-8223-D6C91242EC14}" type="datetimeFigureOut">
               <a:rPr lang="en-US" smtClean="0"/>
-              <a:t>4/30/2018</a:t>
+              <a:t>5/1/2018</a:t>
             </a:fld>
             <a:endParaRPr lang="en-US" dirty="0"/>
           </a:p>
@@ -1625,7 +1618,7 @@
           <a:p>
             <a:fld id="{67C6F52A-A82B-47A2-A83A-8C4C91F2D59F}" type="datetimeFigureOut">
               <a:rPr lang="en-US" smtClean="0"/>
-              <a:t>4/30/2018</a:t>
+              <a:t>5/1/2018</a:t>
             </a:fld>
             <a:endParaRPr lang="en-US" dirty="0"/>
           </a:p>
@@ -1825,7 +1818,7 @@
           <a:p>
             <a:fld id="{F070A7B3-6521-4DCA-87E5-044747A908C1}" type="datetimeFigureOut">
               <a:rPr lang="en-US" smtClean="0"/>
-              <a:t>4/30/2018</a:t>
+              <a:t>5/1/2018</a:t>
             </a:fld>
             <a:endParaRPr lang="en-US" dirty="0"/>
           </a:p>
@@ -2102,7 +2095,7 @@
           <a:p>
             <a:fld id="{1160EA64-D806-43AC-9DF2-F8C432F32B4C}" type="datetimeFigureOut">
               <a:rPr lang="en-US" smtClean="0"/>
-              <a:t>4/30/2018</a:t>
+              <a:t>5/1/2018</a:t>
             </a:fld>
             <a:endParaRPr lang="en-US" dirty="0"/>
           </a:p>
@@ -2371,7 +2364,7 @@
           <a:p>
             <a:fld id="{AB134690-1557-4C89-A502-4959FE7FAD70}" type="datetimeFigureOut">
               <a:rPr lang="en-US" smtClean="0"/>
-              <a:t>4/30/2018</a:t>
+              <a:t>5/1/2018</a:t>
             </a:fld>
             <a:endParaRPr lang="en-US" dirty="0"/>
           </a:p>
@@ -2786,7 +2779,7 @@
           <a:p>
             <a:fld id="{4F7D4976-E339-4826-83B7-FBD03F55ECF8}" type="datetimeFigureOut">
               <a:rPr lang="en-US" smtClean="0"/>
-              <a:t>4/30/2018</a:t>
+              <a:t>5/1/2018</a:t>
             </a:fld>
             <a:endParaRPr lang="en-US" dirty="0"/>
           </a:p>
@@ -2928,7 +2921,7 @@
           <a:p>
             <a:fld id="{E1037C31-9E7A-4F99-8774-A0E530DE1A42}" type="datetimeFigureOut">
               <a:rPr lang="en-US" smtClean="0"/>
-              <a:t>4/30/2018</a:t>
+              <a:t>5/1/2018</a:t>
             </a:fld>
             <a:endParaRPr lang="en-US" dirty="0"/>
           </a:p>
@@ -3041,7 +3034,7 @@
           <a:p>
             <a:fld id="{C278504F-A551-4DE0-9316-4DCD1D8CC752}" type="datetimeFigureOut">
               <a:rPr lang="en-US" smtClean="0"/>
-              <a:t>4/30/2018</a:t>
+              <a:t>5/1/2018</a:t>
             </a:fld>
             <a:endParaRPr lang="en-US" dirty="0"/>
           </a:p>
@@ -3354,7 +3347,7 @@
           <a:p>
             <a:fld id="{D1BE4249-C0D0-4B06-8692-E8BB871AF643}" type="datetimeFigureOut">
               <a:rPr lang="en-US" smtClean="0"/>
-              <a:t>4/30/2018</a:t>
+              <a:t>5/1/2018</a:t>
             </a:fld>
             <a:endParaRPr lang="en-US" dirty="0"/>
           </a:p>
@@ -3643,7 +3636,7 @@
           <a:p>
             <a:fld id="{042B0DB6-F5C7-45FB-8CF3-31B45F9C2DAC}" type="datetimeFigureOut">
               <a:rPr lang="en-US" smtClean="0"/>
-              <a:t>4/30/2018</a:t>
+              <a:t>5/1/2018</a:t>
             </a:fld>
             <a:endParaRPr lang="en-US" dirty="0"/>
           </a:p>
@@ -3886,7 +3879,7 @@
           <a:p>
             <a:fld id="{1160EA64-D806-43AC-9DF2-F8C432F32B4C}" type="datetimeFigureOut">
               <a:rPr lang="en-US" smtClean="0"/>
-              <a:t>4/30/2018</a:t>
+              <a:t>5/1/2018</a:t>
             </a:fld>
             <a:endParaRPr lang="en-US" dirty="0"/>
           </a:p>
@@ -4412,7 +4405,7 @@
           <p:cNvPr id="2" name="Title 1">
             <a:extLst>
               <a:ext uri="{FF2B5EF4-FFF2-40B4-BE49-F238E27FC236}">
-                <a16:creationId xmlns:a16="http://schemas.microsoft.com/office/drawing/2014/main" id="{2B53B622-25EB-4F9D-AC33-210EBBCA35C7}"/>
+                <a16:creationId xmlns:a16="http://schemas.microsoft.com/office/drawing/2014/main" id="{8D2AEB9C-0524-4A53-86C8-256FCA80BCE9}"/>
               </a:ext>
             </a:extLst>
           </p:cNvPr>
@@ -4429,50 +4422,46 @@
           <a:lstStyle/>
           <a:p>
             <a:r>
-              <a:rPr lang="en-GB" dirty="0" err="1"/>
-              <a:t>Wavefuntion</a:t>
-            </a:r>
-            <a:r>
               <a:rPr lang="en-GB" dirty="0"/>
-              <a:t>/Probability </a:t>
-            </a:r>
-            <a:r>
-              <a:rPr lang="en-GB" dirty="0" err="1"/>
-              <a:t>distrobution</a:t>
-            </a:r>
-            <a:endParaRPr lang="en-GB" dirty="0"/>
-          </a:p>
-        </p:txBody>
-      </p:sp>
-      <p:sp>
-        <p:nvSpPr>
-          <p:cNvPr id="3" name="Content Placeholder 2">
-            <a:extLst>
-              <a:ext uri="{FF2B5EF4-FFF2-40B4-BE49-F238E27FC236}">
-                <a16:creationId xmlns:a16="http://schemas.microsoft.com/office/drawing/2014/main" id="{27711A33-0088-417D-960E-896F089CAC24}"/>
-              </a:ext>
-            </a:extLst>
-          </p:cNvPr>
-          <p:cNvSpPr>
-            <a:spLocks noGrp="1"/>
-          </p:cNvSpPr>
-          <p:nvPr>
-            <p:ph idx="1"/>
-          </p:nvPr>
-        </p:nvSpPr>
-        <p:spPr/>
-        <p:txBody>
-          <a:bodyPr/>
-          <a:lstStyle/>
-          <a:p>
-            <a:endParaRPr lang="en-GB" dirty="0"/>
-          </a:p>
-        </p:txBody>
-      </p:sp>
+              <a:t>Additional points</a:t>
+            </a:r>
+          </a:p>
+        </p:txBody>
+      </p:sp>
+      <p:pic>
+        <p:nvPicPr>
+          <p:cNvPr id="4" name="Picture 3">
+            <a:extLst>
+              <a:ext uri="{FF2B5EF4-FFF2-40B4-BE49-F238E27FC236}">
+                <a16:creationId xmlns:a16="http://schemas.microsoft.com/office/drawing/2014/main" id="{4E797BE1-1087-414B-9442-22CD5A7A83B5}"/>
+              </a:ext>
+            </a:extLst>
+          </p:cNvPr>
+          <p:cNvPicPr>
+            <a:picLocks noChangeAspect="1"/>
+          </p:cNvPicPr>
+          <p:nvPr/>
+        </p:nvPicPr>
+        <p:blipFill>
+          <a:blip r:embed="rId2"/>
+          <a:stretch>
+            <a:fillRect/>
+          </a:stretch>
+        </p:blipFill>
+        <p:spPr>
+          <a:xfrm>
+            <a:off x="642937" y="1617746"/>
+            <a:ext cx="10906125" cy="1504950"/>
+          </a:xfrm>
+          <a:prstGeom prst="rect">
+            <a:avLst/>
+          </a:prstGeom>
+        </p:spPr>
+      </p:pic>
     </p:spTree>
     <p:extLst>
       <p:ext uri="{BB962C8B-B14F-4D97-AF65-F5344CB8AC3E}">
-        <p14:creationId xmlns:p14="http://schemas.microsoft.com/office/powerpoint/2010/main" val="462499914"/>
+        <p14:creationId xmlns:p14="http://schemas.microsoft.com/office/powerpoint/2010/main" val="3573784269"/>
       </p:ext>
     </p:extLst>
   </p:cSld>
@@ -4565,86 +4554,6 @@
 </p:sld>
 </file>
 
-<file path=ppt/slides/slide12.xml><?xml version="1.0" encoding="utf-8"?>
-<p:sld xmlns:a="http://schemas.openxmlformats.org/drawingml/2006/main" xmlns:r="http://schemas.openxmlformats.org/officeDocument/2006/relationships" xmlns:p="http://schemas.openxmlformats.org/presentationml/2006/main">
-  <p:cSld>
-    <p:spTree>
-      <p:nvGrpSpPr>
-        <p:cNvPr id="1" name=""/>
-        <p:cNvGrpSpPr/>
-        <p:nvPr/>
-      </p:nvGrpSpPr>
-      <p:grpSpPr>
-        <a:xfrm>
-          <a:off x="0" y="0"/>
-          <a:ext cx="0" cy="0"/>
-          <a:chOff x="0" y="0"/>
-          <a:chExt cx="0" cy="0"/>
-        </a:xfrm>
-      </p:grpSpPr>
-      <p:sp>
-        <p:nvSpPr>
-          <p:cNvPr id="2" name="Title 1">
-            <a:extLst>
-              <a:ext uri="{FF2B5EF4-FFF2-40B4-BE49-F238E27FC236}">
-                <a16:creationId xmlns:a16="http://schemas.microsoft.com/office/drawing/2014/main" id="{2A9EF681-E016-4EF1-8261-70A7E8705947}"/>
-              </a:ext>
-            </a:extLst>
-          </p:cNvPr>
-          <p:cNvSpPr>
-            <a:spLocks noGrp="1"/>
-          </p:cNvSpPr>
-          <p:nvPr>
-            <p:ph type="title"/>
-          </p:nvPr>
-        </p:nvSpPr>
-        <p:spPr/>
-        <p:txBody>
-          <a:bodyPr/>
-          <a:lstStyle/>
-          <a:p>
-            <a:endParaRPr lang="en-GB" dirty="0"/>
-          </a:p>
-        </p:txBody>
-      </p:sp>
-      <p:sp>
-        <p:nvSpPr>
-          <p:cNvPr id="3" name="Content Placeholder 2">
-            <a:extLst>
-              <a:ext uri="{FF2B5EF4-FFF2-40B4-BE49-F238E27FC236}">
-                <a16:creationId xmlns:a16="http://schemas.microsoft.com/office/drawing/2014/main" id="{79031281-D0FF-48CD-B4DF-E1706DF4B5A4}"/>
-              </a:ext>
-            </a:extLst>
-          </p:cNvPr>
-          <p:cNvSpPr>
-            <a:spLocks noGrp="1"/>
-          </p:cNvSpPr>
-          <p:nvPr>
-            <p:ph idx="1"/>
-          </p:nvPr>
-        </p:nvSpPr>
-        <p:spPr/>
-        <p:txBody>
-          <a:bodyPr/>
-          <a:lstStyle/>
-          <a:p>
-            <a:endParaRPr lang="en-GB"/>
-          </a:p>
-        </p:txBody>
-      </p:sp>
-    </p:spTree>
-    <p:extLst>
-      <p:ext uri="{BB962C8B-B14F-4D97-AF65-F5344CB8AC3E}">
-        <p14:creationId xmlns:p14="http://schemas.microsoft.com/office/powerpoint/2010/main" val="3504928006"/>
-      </p:ext>
-    </p:extLst>
-  </p:cSld>
-  <p:clrMapOvr>
-    <a:masterClrMapping/>
-  </p:clrMapOvr>
-</p:sld>
-</file>
-
 <file path=ppt/slides/slide2.xml><?xml version="1.0" encoding="utf-8"?>
 <p:sld xmlns:a="http://schemas.openxmlformats.org/drawingml/2006/main" xmlns:r="http://schemas.openxmlformats.org/officeDocument/2006/relationships" xmlns:p="http://schemas.openxmlformats.org/presentationml/2006/main">
   <p:cSld>
@@ -4690,51 +4599,6 @@
           </a:p>
         </p:txBody>
       </p:sp>
-      <p:pic>
-        <p:nvPicPr>
-          <p:cNvPr id="8" name="Content Placeholder 7">
-            <a:extLst>
-              <a:ext uri="{FF2B5EF4-FFF2-40B4-BE49-F238E27FC236}">
-                <a16:creationId xmlns:a16="http://schemas.microsoft.com/office/drawing/2014/main" id="{A4A51711-9DDF-44A5-9ED3-BE5C1D617C60}"/>
-              </a:ext>
-            </a:extLst>
-          </p:cNvPr>
-          <p:cNvPicPr>
-            <a:picLocks noGrp="1" noChangeAspect="1"/>
-          </p:cNvPicPr>
-          <p:nvPr>
-            <p:ph idx="1"/>
-          </p:nvPr>
-        </p:nvPicPr>
-        <p:blipFill rotWithShape="1">
-          <a:blip r:embed="rId3"/>
-          <a:srcRect l="14113" b="4622"/>
-          <a:stretch/>
-        </p:blipFill>
-        <p:spPr>
-          <a:xfrm>
-            <a:off x="6054290" y="1438357"/>
-            <a:ext cx="5301097" cy="3788162"/>
-          </a:xfrm>
-          <a:prstGeom prst="rect">
-            <a:avLst/>
-          </a:prstGeom>
-          <a:ln w="38100" cap="sq">
-            <a:solidFill>
-              <a:srgbClr val="000000"/>
-            </a:solidFill>
-            <a:prstDash val="solid"/>
-            <a:miter lim="800000"/>
-          </a:ln>
-          <a:effectLst>
-            <a:outerShdw blurRad="50800" dist="38100" dir="2700000" algn="tl" rotWithShape="0">
-              <a:srgbClr val="000000">
-                <a:alpha val="43000"/>
-              </a:srgbClr>
-            </a:outerShdw>
-          </a:effectLst>
-        </p:spPr>
-      </p:pic>
       <p:sp>
         <p:nvSpPr>
           <p:cNvPr id="7" name="Text Placeholder 6">
@@ -4758,21 +4622,7 @@
           <a:p>
             <a:r>
               <a:rPr lang="en-GB" dirty="0"/>
-              <a:t>This is a </a:t>
-            </a:r>
-            <a:r>
-              <a:rPr lang="en-GB" dirty="0" err="1"/>
-              <a:t>Josepson</a:t>
-            </a:r>
-            <a:r>
-              <a:rPr lang="en-GB" dirty="0"/>
-              <a:t> junction</a:t>
-            </a:r>
-          </a:p>
-          <a:p>
-            <a:r>
-              <a:rPr lang="en-GB" dirty="0"/>
-              <a:t>Cooper pair box has a gate, change it to this.</a:t>
+              <a:t>.</a:t>
             </a:r>
           </a:p>
         </p:txBody>
@@ -4812,12 +4662,44 @@
           </a:p>
         </p:txBody>
       </p:sp>
-      <p:sp>
-        <p:nvSpPr>
-          <p:cNvPr id="10" name="TextBox 9">
-            <a:extLst>
-              <a:ext uri="{FF2B5EF4-FFF2-40B4-BE49-F238E27FC236}">
-                <a16:creationId xmlns:a16="http://schemas.microsoft.com/office/drawing/2014/main" id="{A8F74F22-6D5E-4858-A699-07834A9D029A}"/>
+      <p:pic>
+        <p:nvPicPr>
+          <p:cNvPr id="5" name="Content Placeholder 4">
+            <a:extLst>
+              <a:ext uri="{FF2B5EF4-FFF2-40B4-BE49-F238E27FC236}">
+                <a16:creationId xmlns:a16="http://schemas.microsoft.com/office/drawing/2014/main" id="{7ECA27EC-CA7A-4E19-8053-638140968B5C}"/>
+              </a:ext>
+            </a:extLst>
+          </p:cNvPr>
+          <p:cNvPicPr>
+            <a:picLocks noGrp="1" noChangeAspect="1"/>
+          </p:cNvPicPr>
+          <p:nvPr>
+            <p:ph idx="1"/>
+          </p:nvPr>
+        </p:nvPicPr>
+        <p:blipFill>
+          <a:blip r:embed="rId3"/>
+          <a:stretch>
+            <a:fillRect/>
+          </a:stretch>
+        </p:blipFill>
+        <p:spPr>
+          <a:xfrm>
+            <a:off x="5183188" y="1444309"/>
+            <a:ext cx="6172200" cy="3959857"/>
+          </a:xfrm>
+          <a:prstGeom prst="rect">
+            <a:avLst/>
+          </a:prstGeom>
+        </p:spPr>
+      </p:pic>
+      <p:sp>
+        <p:nvSpPr>
+          <p:cNvPr id="6" name="TextBox 5">
+            <a:extLst>
+              <a:ext uri="{FF2B5EF4-FFF2-40B4-BE49-F238E27FC236}">
+                <a16:creationId xmlns:a16="http://schemas.microsoft.com/office/drawing/2014/main" id="{30963546-FA76-4F48-A35C-CF5A85D7FEFF}"/>
               </a:ext>
             </a:extLst>
           </p:cNvPr>
@@ -4826,8 +4708,8 @@
         </p:nvSpPr>
         <p:spPr>
           <a:xfrm>
-            <a:off x="839788" y="6208295"/>
-            <a:ext cx="7303185" cy="369332"/>
+            <a:off x="839788" y="6092792"/>
+            <a:ext cx="9776877" cy="369332"/>
           </a:xfrm>
           <a:prstGeom prst="rect">
             <a:avLst/>
@@ -4841,16 +4723,20 @@
           <a:lstStyle/>
           <a:p>
             <a:r>
+              <a:rPr lang="en-GB" dirty="0" err="1"/>
+              <a:t>Cottet</a:t>
+            </a:r>
+            <a:r>
               <a:rPr lang="en-GB" dirty="0"/>
-              <a:t>Reference: </a:t>
-            </a:r>
-            <a:r>
-              <a:rPr lang="en-GB" dirty="0" err="1"/>
-              <a:t>cottet</a:t>
+              <a:t>, A., 2002. </a:t>
+            </a:r>
+            <a:r>
+              <a:rPr lang="en-GB" i="1" dirty="0"/>
+              <a:t>Implementation of a quantum bit in a superconducting circuit</a:t>
             </a:r>
             <a:r>
               <a:rPr lang="en-GB" dirty="0"/>
-              <a:t> thesis</a:t>
+              <a:t> </a:t>
             </a:r>
           </a:p>
         </p:txBody>
@@ -4973,104 +4859,6 @@
           <p:cNvPr id="2" name="Title 1">
             <a:extLst>
               <a:ext uri="{FF2B5EF4-FFF2-40B4-BE49-F238E27FC236}">
-                <a16:creationId xmlns:a16="http://schemas.microsoft.com/office/drawing/2014/main" id="{C0BFCF67-AA95-4432-BBD7-899B8E3BCC96}"/>
-              </a:ext>
-            </a:extLst>
-          </p:cNvPr>
-          <p:cNvSpPr>
-            <a:spLocks noGrp="1"/>
-          </p:cNvSpPr>
-          <p:nvPr>
-            <p:ph type="title"/>
-          </p:nvPr>
-        </p:nvSpPr>
-        <p:spPr/>
-        <p:txBody>
-          <a:bodyPr/>
-          <a:lstStyle/>
-          <a:p>
-            <a:r>
-              <a:rPr lang="en-GB" dirty="0"/>
-              <a:t>Methods</a:t>
-            </a:r>
-          </a:p>
-        </p:txBody>
-      </p:sp>
-      <p:sp>
-        <p:nvSpPr>
-          <p:cNvPr id="3" name="Content Placeholder 2">
-            <a:extLst>
-              <a:ext uri="{FF2B5EF4-FFF2-40B4-BE49-F238E27FC236}">
-                <a16:creationId xmlns:a16="http://schemas.microsoft.com/office/drawing/2014/main" id="{AFD46B7C-C72A-4871-AF0C-27B95E5DD2C6}"/>
-              </a:ext>
-            </a:extLst>
-          </p:cNvPr>
-          <p:cNvSpPr>
-            <a:spLocks noGrp="1"/>
-          </p:cNvSpPr>
-          <p:nvPr>
-            <p:ph idx="1"/>
-          </p:nvPr>
-        </p:nvSpPr>
-        <p:spPr/>
-        <p:txBody>
-          <a:bodyPr/>
-          <a:lstStyle/>
-          <a:p>
-            <a:r>
-              <a:rPr lang="en-GB" dirty="0"/>
-              <a:t>Analytical computing</a:t>
-            </a:r>
-          </a:p>
-          <a:p>
-            <a:r>
-              <a:rPr lang="en-GB" dirty="0"/>
-              <a:t>Numerical calculations</a:t>
-            </a:r>
-          </a:p>
-          <a:p>
-            <a:r>
-              <a:rPr lang="en-GB" dirty="0"/>
-              <a:t>Mathieu equations</a:t>
-            </a:r>
-          </a:p>
-        </p:txBody>
-      </p:sp>
-    </p:spTree>
-    <p:extLst>
-      <p:ext uri="{BB962C8B-B14F-4D97-AF65-F5344CB8AC3E}">
-        <p14:creationId xmlns:p14="http://schemas.microsoft.com/office/powerpoint/2010/main" val="3189507878"/>
-      </p:ext>
-    </p:extLst>
-  </p:cSld>
-  <p:clrMapOvr>
-    <a:masterClrMapping/>
-  </p:clrMapOvr>
-</p:sld>
-</file>
-
-<file path=ppt/slides/slide5.xml><?xml version="1.0" encoding="utf-8"?>
-<p:sld xmlns:a="http://schemas.openxmlformats.org/drawingml/2006/main" xmlns:r="http://schemas.openxmlformats.org/officeDocument/2006/relationships" xmlns:p="http://schemas.openxmlformats.org/presentationml/2006/main">
-  <p:cSld>
-    <p:spTree>
-      <p:nvGrpSpPr>
-        <p:cNvPr id="1" name=""/>
-        <p:cNvGrpSpPr/>
-        <p:nvPr/>
-      </p:nvGrpSpPr>
-      <p:grpSpPr>
-        <a:xfrm>
-          <a:off x="0" y="0"/>
-          <a:ext cx="0" cy="0"/>
-          <a:chOff x="0" y="0"/>
-          <a:chExt cx="0" cy="0"/>
-        </a:xfrm>
-      </p:grpSpPr>
-      <p:sp>
-        <p:nvSpPr>
-          <p:cNvPr id="2" name="Title 1">
-            <a:extLst>
-              <a:ext uri="{FF2B5EF4-FFF2-40B4-BE49-F238E27FC236}">
                 <a16:creationId xmlns:a16="http://schemas.microsoft.com/office/drawing/2014/main" id="{A1F9C7A9-AB0C-4299-A0F1-611A94B07038}"/>
               </a:ext>
             </a:extLst>
@@ -5155,8 +4943,8 @@
         </p:nvSpPr>
         <p:spPr>
           <a:xfrm>
-            <a:off x="490888" y="6054291"/>
-            <a:ext cx="6035040" cy="369332"/>
+            <a:off x="490887" y="6054291"/>
+            <a:ext cx="11251933" cy="646331"/>
           </a:xfrm>
           <a:prstGeom prst="rect">
             <a:avLst/>
@@ -5171,7 +4959,15 @@
           <a:p>
             <a:r>
               <a:rPr lang="en-GB" dirty="0"/>
-              <a:t>References!</a:t>
+              <a:t>Koch, Jens, et al. "Charge-insensitive qubit design derived from the Cooper pair box." </a:t>
+            </a:r>
+            <a:r>
+              <a:rPr lang="en-GB" i="1" dirty="0"/>
+              <a:t>Physical Review A</a:t>
+            </a:r>
+            <a:r>
+              <a:rPr lang="en-GB" dirty="0"/>
+              <a:t> 76.4 (2007): 042319.</a:t>
             </a:r>
           </a:p>
         </p:txBody>
@@ -5296,6 +5092,131 @@
 </p:sld>
 </file>
 
+<file path=ppt/slides/slide5.xml><?xml version="1.0" encoding="utf-8"?>
+<p:sld xmlns:a="http://schemas.openxmlformats.org/drawingml/2006/main" xmlns:r="http://schemas.openxmlformats.org/officeDocument/2006/relationships" xmlns:p="http://schemas.openxmlformats.org/presentationml/2006/main">
+  <p:cSld>
+    <p:spTree>
+      <p:nvGrpSpPr>
+        <p:cNvPr id="1" name=""/>
+        <p:cNvGrpSpPr/>
+        <p:nvPr/>
+      </p:nvGrpSpPr>
+      <p:grpSpPr>
+        <a:xfrm>
+          <a:off x="0" y="0"/>
+          <a:ext cx="0" cy="0"/>
+          <a:chOff x="0" y="0"/>
+          <a:chExt cx="0" cy="0"/>
+        </a:xfrm>
+      </p:grpSpPr>
+      <p:pic>
+        <p:nvPicPr>
+          <p:cNvPr id="5" name="Content Placeholder 4">
+            <a:extLst>
+              <a:ext uri="{FF2B5EF4-FFF2-40B4-BE49-F238E27FC236}">
+                <a16:creationId xmlns:a16="http://schemas.microsoft.com/office/drawing/2014/main" id="{DF837124-7919-45EA-B9C6-6EC338B3968A}"/>
+              </a:ext>
+            </a:extLst>
+          </p:cNvPr>
+          <p:cNvPicPr>
+            <a:picLocks noGrp="1" noChangeAspect="1"/>
+          </p:cNvPicPr>
+          <p:nvPr>
+            <p:ph idx="1"/>
+          </p:nvPr>
+        </p:nvPicPr>
+        <p:blipFill rotWithShape="1">
+          <a:blip r:embed="rId3"/>
+          <a:srcRect l="26693" r="14566"/>
+          <a:stretch/>
+        </p:blipFill>
+        <p:spPr>
+          <a:xfrm>
+            <a:off x="2576818" y="715023"/>
+            <a:ext cx="7038364" cy="6390482"/>
+          </a:xfrm>
+        </p:spPr>
+      </p:pic>
+      <p:sp>
+        <p:nvSpPr>
+          <p:cNvPr id="2" name="Title 1">
+            <a:extLst>
+              <a:ext uri="{FF2B5EF4-FFF2-40B4-BE49-F238E27FC236}">
+                <a16:creationId xmlns:a16="http://schemas.microsoft.com/office/drawing/2014/main" id="{D26A3512-510A-45BB-A9B5-280081902EB4}"/>
+              </a:ext>
+            </a:extLst>
+          </p:cNvPr>
+          <p:cNvSpPr>
+            <a:spLocks noGrp="1"/>
+          </p:cNvSpPr>
+          <p:nvPr>
+            <p:ph type="title"/>
+          </p:nvPr>
+        </p:nvSpPr>
+        <p:spPr/>
+        <p:txBody>
+          <a:bodyPr/>
+          <a:lstStyle/>
+          <a:p>
+            <a:r>
+              <a:rPr lang="en-GB" dirty="0"/>
+              <a:t>Numerical Results</a:t>
+            </a:r>
+          </a:p>
+        </p:txBody>
+      </p:sp>
+      <p:sp>
+        <p:nvSpPr>
+          <p:cNvPr id="3" name="TextBox 2">
+            <a:extLst>
+              <a:ext uri="{FF2B5EF4-FFF2-40B4-BE49-F238E27FC236}">
+                <a16:creationId xmlns:a16="http://schemas.microsoft.com/office/drawing/2014/main" id="{A21C8C12-8BE6-4D8B-B1C8-7E7ECE728A69}"/>
+              </a:ext>
+            </a:extLst>
+          </p:cNvPr>
+          <p:cNvSpPr txBox="1"/>
+          <p:nvPr/>
+        </p:nvSpPr>
+        <p:spPr>
+          <a:xfrm>
+            <a:off x="838200" y="1876926"/>
+            <a:ext cx="1587366" cy="646331"/>
+          </a:xfrm>
+          <a:prstGeom prst="rect">
+            <a:avLst/>
+          </a:prstGeom>
+          <a:noFill/>
+        </p:spPr>
+        <p:txBody>
+          <a:bodyPr wrap="square" rtlCol="0">
+            <a:spAutoFit/>
+          </a:bodyPr>
+          <a:lstStyle/>
+          <a:p>
+            <a:r>
+              <a:rPr lang="en-GB" dirty="0" err="1"/>
+              <a:t>Todo</a:t>
+            </a:r>
+            <a:r>
+              <a:rPr lang="en-GB" dirty="0"/>
+              <a:t> – get rid of title</a:t>
+            </a:r>
+          </a:p>
+        </p:txBody>
+      </p:sp>
+    </p:spTree>
+    <p:extLst>
+      <p:ext uri="{BB962C8B-B14F-4D97-AF65-F5344CB8AC3E}">
+        <p14:creationId xmlns:p14="http://schemas.microsoft.com/office/powerpoint/2010/main" val="3622120179"/>
+      </p:ext>
+    </p:extLst>
+  </p:cSld>
+  <p:clrMapOvr>
+    <a:masterClrMapping/>
+  </p:clrMapOvr>
+</p:sld>
+</file>
+
 <file path=ppt/slides/slide6.xml><?xml version="1.0" encoding="utf-8"?>
 <p:sld xmlns:a="http://schemas.openxmlformats.org/drawingml/2006/main" xmlns:r="http://schemas.openxmlformats.org/officeDocument/2006/relationships" xmlns:p="http://schemas.openxmlformats.org/presentationml/2006/main">
   <p:cSld>
@@ -5313,40 +5234,12 @@
           <a:chExt cx="0" cy="0"/>
         </a:xfrm>
       </p:grpSpPr>
-      <p:sp>
-        <p:nvSpPr>
-          <p:cNvPr id="2" name="Title 1">
-            <a:extLst>
-              <a:ext uri="{FF2B5EF4-FFF2-40B4-BE49-F238E27FC236}">
-                <a16:creationId xmlns:a16="http://schemas.microsoft.com/office/drawing/2014/main" id="{D26A3512-510A-45BB-A9B5-280081902EB4}"/>
-              </a:ext>
-            </a:extLst>
-          </p:cNvPr>
-          <p:cNvSpPr>
-            <a:spLocks noGrp="1"/>
-          </p:cNvSpPr>
-          <p:nvPr>
-            <p:ph type="title"/>
-          </p:nvPr>
-        </p:nvSpPr>
-        <p:spPr/>
-        <p:txBody>
-          <a:bodyPr/>
-          <a:lstStyle/>
-          <a:p>
-            <a:r>
-              <a:rPr lang="en-GB" dirty="0"/>
-              <a:t>Results</a:t>
-            </a:r>
-          </a:p>
-        </p:txBody>
-      </p:sp>
       <p:pic>
         <p:nvPicPr>
           <p:cNvPr id="5" name="Content Placeholder 4">
             <a:extLst>
               <a:ext uri="{FF2B5EF4-FFF2-40B4-BE49-F238E27FC236}">
-                <a16:creationId xmlns:a16="http://schemas.microsoft.com/office/drawing/2014/main" id="{DF837124-7919-45EA-B9C6-6EC338B3968A}"/>
+                <a16:creationId xmlns:a16="http://schemas.microsoft.com/office/drawing/2014/main" id="{37978132-8DD4-4EB1-81F3-F937C0D17E76}"/>
               </a:ext>
             </a:extLst>
           </p:cNvPr>
@@ -5357,53 +5250,48 @@
             <p:ph idx="1"/>
           </p:nvPr>
         </p:nvPicPr>
-        <p:blipFill rotWithShape="1">
+        <p:blipFill>
           <a:blip r:embed="rId3"/>
-          <a:srcRect l="26693" r="14566"/>
-          <a:stretch/>
+          <a:stretch>
+            <a:fillRect/>
+          </a:stretch>
         </p:blipFill>
         <p:spPr>
           <a:xfrm>
-            <a:off x="2576818" y="233759"/>
-            <a:ext cx="7038364" cy="6390482"/>
+            <a:off x="1175658" y="365125"/>
+            <a:ext cx="9840684" cy="6560458"/>
           </a:xfrm>
         </p:spPr>
       </p:pic>
       <p:sp>
         <p:nvSpPr>
-          <p:cNvPr id="3" name="TextBox 2">
-            <a:extLst>
-              <a:ext uri="{FF2B5EF4-FFF2-40B4-BE49-F238E27FC236}">
-                <a16:creationId xmlns:a16="http://schemas.microsoft.com/office/drawing/2014/main" id="{A21C8C12-8BE6-4D8B-B1C8-7E7ECE728A69}"/>
-              </a:ext>
-            </a:extLst>
-          </p:cNvPr>
-          <p:cNvSpPr txBox="1"/>
-          <p:nvPr/>
+          <p:cNvPr id="2" name="Title 1">
+            <a:extLst>
+              <a:ext uri="{FF2B5EF4-FFF2-40B4-BE49-F238E27FC236}">
+                <a16:creationId xmlns:a16="http://schemas.microsoft.com/office/drawing/2014/main" id="{6D5678B8-377F-4DE2-B9FB-738C4A8E8AFE}"/>
+              </a:ext>
+            </a:extLst>
+          </p:cNvPr>
+          <p:cNvSpPr>
+            <a:spLocks noGrp="1"/>
+          </p:cNvSpPr>
+          <p:nvPr>
+            <p:ph type="title"/>
+          </p:nvPr>
         </p:nvSpPr>
         <p:spPr>
           <a:xfrm>
-            <a:off x="838200" y="1876926"/>
-            <a:ext cx="1587366" cy="646331"/>
+            <a:off x="838200" y="230371"/>
+            <a:ext cx="10515600" cy="1325563"/>
           </a:xfrm>
-          <a:prstGeom prst="rect">
-            <a:avLst/>
-          </a:prstGeom>
-          <a:noFill/>
         </p:spPr>
         <p:txBody>
-          <a:bodyPr wrap="square" rtlCol="0">
-            <a:spAutoFit/>
-          </a:bodyPr>
-          <a:lstStyle/>
-          <a:p>
-            <a:r>
-              <a:rPr lang="en-GB" dirty="0" err="1"/>
-              <a:t>Todo</a:t>
-            </a:r>
+          <a:bodyPr/>
+          <a:lstStyle/>
+          <a:p>
             <a:r>
               <a:rPr lang="en-GB" dirty="0"/>
-              <a:t> – get rid of title</a:t>
+              <a:t>Numerical results</a:t>
             </a:r>
           </a:p>
         </p:txBody>
@@ -5411,7 +5299,7 @@
     </p:spTree>
     <p:extLst>
       <p:ext uri="{BB962C8B-B14F-4D97-AF65-F5344CB8AC3E}">
-        <p14:creationId xmlns:p14="http://schemas.microsoft.com/office/powerpoint/2010/main" val="3622120179"/>
+        <p14:creationId xmlns:p14="http://schemas.microsoft.com/office/powerpoint/2010/main" val="228407813"/>
       </p:ext>
     </p:extLst>
   </p:cSld>
@@ -5443,7 +5331,7 @@
           <p:cNvPr id="2" name="Title 1">
             <a:extLst>
               <a:ext uri="{FF2B5EF4-FFF2-40B4-BE49-F238E27FC236}">
-                <a16:creationId xmlns:a16="http://schemas.microsoft.com/office/drawing/2014/main" id="{6D5678B8-377F-4DE2-B9FB-738C4A8E8AFE}"/>
+                <a16:creationId xmlns:a16="http://schemas.microsoft.com/office/drawing/2014/main" id="{1BE95201-D982-40A7-9F43-3E733F0D524E}"/>
               </a:ext>
             </a:extLst>
           </p:cNvPr>
@@ -5459,39 +5347,101 @@
           <a:bodyPr/>
           <a:lstStyle/>
           <a:p>
+            <a:r>
+              <a:rPr lang="en-GB" dirty="0"/>
+              <a:t>Key Ideas</a:t>
+            </a:r>
+          </a:p>
+        </p:txBody>
+      </p:sp>
+      <p:sp>
+        <p:nvSpPr>
+          <p:cNvPr id="5" name="Content Placeholder 4">
+            <a:extLst>
+              <a:ext uri="{FF2B5EF4-FFF2-40B4-BE49-F238E27FC236}">
+                <a16:creationId xmlns:a16="http://schemas.microsoft.com/office/drawing/2014/main" id="{3EB9E5A2-8282-43DB-AB0B-F0601760C72B}"/>
+              </a:ext>
+            </a:extLst>
+          </p:cNvPr>
+          <p:cNvSpPr>
+            <a:spLocks noGrp="1"/>
+          </p:cNvSpPr>
+          <p:nvPr>
+            <p:ph idx="1"/>
+          </p:nvPr>
+        </p:nvSpPr>
+        <p:spPr/>
+        <p:txBody>
+          <a:bodyPr/>
+          <a:lstStyle/>
+          <a:p>
             <a:endParaRPr lang="en-GB" dirty="0"/>
           </a:p>
         </p:txBody>
       </p:sp>
-      <p:sp>
-        <p:nvSpPr>
-          <p:cNvPr id="3" name="Content Placeholder 2">
-            <a:extLst>
-              <a:ext uri="{FF2B5EF4-FFF2-40B4-BE49-F238E27FC236}">
-                <a16:creationId xmlns:a16="http://schemas.microsoft.com/office/drawing/2014/main" id="{2173954A-4236-4B6B-9F7D-7EF21F16A491}"/>
-              </a:ext>
-            </a:extLst>
-          </p:cNvPr>
-          <p:cNvSpPr>
-            <a:spLocks noGrp="1"/>
-          </p:cNvSpPr>
-          <p:nvPr>
-            <p:ph idx="1"/>
-          </p:nvPr>
-        </p:nvSpPr>
-        <p:spPr/>
-        <p:txBody>
-          <a:bodyPr/>
-          <a:lstStyle/>
-          <a:p>
-            <a:endParaRPr lang="en-GB"/>
-          </a:p>
-        </p:txBody>
-      </p:sp>
+      <p:pic>
+        <p:nvPicPr>
+          <p:cNvPr id="6" name="Picture 5">
+            <a:extLst>
+              <a:ext uri="{FF2B5EF4-FFF2-40B4-BE49-F238E27FC236}">
+                <a16:creationId xmlns:a16="http://schemas.microsoft.com/office/drawing/2014/main" id="{5EB11E76-6310-4794-9FB3-78C8890BA28D}"/>
+              </a:ext>
+            </a:extLst>
+          </p:cNvPr>
+          <p:cNvPicPr>
+            <a:picLocks noChangeAspect="1"/>
+          </p:cNvPicPr>
+          <p:nvPr/>
+        </p:nvPicPr>
+        <p:blipFill>
+          <a:blip r:embed="rId2"/>
+          <a:stretch>
+            <a:fillRect/>
+          </a:stretch>
+        </p:blipFill>
+        <p:spPr>
+          <a:xfrm>
+            <a:off x="838200" y="1601754"/>
+            <a:ext cx="10325100" cy="1209675"/>
+          </a:xfrm>
+          <a:prstGeom prst="rect">
+            <a:avLst/>
+          </a:prstGeom>
+        </p:spPr>
+      </p:pic>
+      <p:pic>
+        <p:nvPicPr>
+          <p:cNvPr id="7" name="Picture 6">
+            <a:extLst>
+              <a:ext uri="{FF2B5EF4-FFF2-40B4-BE49-F238E27FC236}">
+                <a16:creationId xmlns:a16="http://schemas.microsoft.com/office/drawing/2014/main" id="{07C6FAB7-FECA-4793-89F9-94CCD24FB7DE}"/>
+              </a:ext>
+            </a:extLst>
+          </p:cNvPr>
+          <p:cNvPicPr>
+            <a:picLocks noChangeAspect="1"/>
+          </p:cNvPicPr>
+          <p:nvPr/>
+        </p:nvPicPr>
+        <p:blipFill rotWithShape="1">
+          <a:blip r:embed="rId3"/>
+          <a:srcRect t="20076"/>
+          <a:stretch/>
+        </p:blipFill>
+        <p:spPr>
+          <a:xfrm>
+            <a:off x="1133475" y="3660984"/>
+            <a:ext cx="9925050" cy="1187589"/>
+          </a:xfrm>
+          <a:prstGeom prst="rect">
+            <a:avLst/>
+          </a:prstGeom>
+        </p:spPr>
+      </p:pic>
     </p:spTree>
     <p:extLst>
       <p:ext uri="{BB962C8B-B14F-4D97-AF65-F5344CB8AC3E}">
-        <p14:creationId xmlns:p14="http://schemas.microsoft.com/office/powerpoint/2010/main" val="228407813"/>
+        <p14:creationId xmlns:p14="http://schemas.microsoft.com/office/powerpoint/2010/main" val="2530135622"/>
       </p:ext>
     </p:extLst>
   </p:cSld>
@@ -5518,12 +5468,41 @@
           <a:chExt cx="0" cy="0"/>
         </a:xfrm>
       </p:grpSpPr>
-      <p:sp>
-        <p:nvSpPr>
-          <p:cNvPr id="2" name="Title 1">
-            <a:extLst>
-              <a:ext uri="{FF2B5EF4-FFF2-40B4-BE49-F238E27FC236}">
-                <a16:creationId xmlns:a16="http://schemas.microsoft.com/office/drawing/2014/main" id="{1BE95201-D982-40A7-9F43-3E733F0D524E}"/>
+      <p:pic>
+        <p:nvPicPr>
+          <p:cNvPr id="9" name="Content Placeholder 8">
+            <a:extLst>
+              <a:ext uri="{FF2B5EF4-FFF2-40B4-BE49-F238E27FC236}">
+                <a16:creationId xmlns:a16="http://schemas.microsoft.com/office/drawing/2014/main" id="{BB575BC8-A432-45D7-9773-2A02679227A6}"/>
+              </a:ext>
+            </a:extLst>
+          </p:cNvPr>
+          <p:cNvPicPr>
+            <a:picLocks noGrp="1" noChangeAspect="1"/>
+          </p:cNvPicPr>
+          <p:nvPr>
+            <p:ph idx="1"/>
+          </p:nvPr>
+        </p:nvPicPr>
+        <p:blipFill>
+          <a:blip r:embed="rId2"/>
+          <a:stretch>
+            <a:fillRect/>
+          </a:stretch>
+        </p:blipFill>
+        <p:spPr>
+          <a:xfrm>
+            <a:off x="1892699" y="688065"/>
+            <a:ext cx="8406602" cy="5604401"/>
+          </a:xfrm>
+        </p:spPr>
+      </p:pic>
+      <p:sp>
+        <p:nvSpPr>
+          <p:cNvPr id="5" name="Title 4">
+            <a:extLst>
+              <a:ext uri="{FF2B5EF4-FFF2-40B4-BE49-F238E27FC236}">
+                <a16:creationId xmlns:a16="http://schemas.microsoft.com/office/drawing/2014/main" id="{854031E1-66B9-4E60-A2AA-9E9A0E0A9716}"/>
               </a:ext>
             </a:extLst>
           </p:cNvPr>
@@ -5541,52 +5520,15 @@
           <a:p>
             <a:r>
               <a:rPr lang="en-GB" dirty="0"/>
-              <a:t>Key Ideas</a:t>
-            </a:r>
-          </a:p>
-        </p:txBody>
-      </p:sp>
-      <p:sp>
-        <p:nvSpPr>
-          <p:cNvPr id="3" name="Content Placeholder 2">
-            <a:extLst>
-              <a:ext uri="{FF2B5EF4-FFF2-40B4-BE49-F238E27FC236}">
-                <a16:creationId xmlns:a16="http://schemas.microsoft.com/office/drawing/2014/main" id="{40EB3F18-D1DA-40C4-9D5C-9EA988729DF2}"/>
-              </a:ext>
-            </a:extLst>
-          </p:cNvPr>
-          <p:cNvSpPr>
-            <a:spLocks noGrp="1"/>
-          </p:cNvSpPr>
-          <p:nvPr>
-            <p:ph idx="1"/>
-          </p:nvPr>
-        </p:nvSpPr>
-        <p:spPr/>
-        <p:txBody>
-          <a:bodyPr/>
-          <a:lstStyle/>
-          <a:p>
-            <a:r>
-              <a:rPr lang="en-GB" dirty="0"/>
-              <a:t>Energy formula</a:t>
-            </a:r>
-          </a:p>
-          <a:p>
-            <a:r>
-              <a:rPr lang="en-GB" dirty="0"/>
-              <a:t>Wavefunction formula</a:t>
-            </a:r>
-          </a:p>
-          <a:p>
-            <a:endParaRPr lang="en-GB" dirty="0"/>
+              <a:t>Analytic Results</a:t>
+            </a:r>
           </a:p>
         </p:txBody>
       </p:sp>
     </p:spTree>
     <p:extLst>
       <p:ext uri="{BB962C8B-B14F-4D97-AF65-F5344CB8AC3E}">
-        <p14:creationId xmlns:p14="http://schemas.microsoft.com/office/powerpoint/2010/main" val="2530135622"/>
+        <p14:creationId xmlns:p14="http://schemas.microsoft.com/office/powerpoint/2010/main" val="2559475289"/>
       </p:ext>
     </p:extLst>
   </p:cSld>
@@ -5618,7 +5560,7 @@
           <p:cNvPr id="2" name="Title 1">
             <a:extLst>
               <a:ext uri="{FF2B5EF4-FFF2-40B4-BE49-F238E27FC236}">
-                <a16:creationId xmlns:a16="http://schemas.microsoft.com/office/drawing/2014/main" id="{FD849246-57CD-4CE4-AC86-942B48C31DE3}"/>
+                <a16:creationId xmlns:a16="http://schemas.microsoft.com/office/drawing/2014/main" id="{44132B92-9DF2-4D95-A5A5-E634476E7905}"/>
               </a:ext>
             </a:extLst>
           </p:cNvPr>
@@ -5636,7 +5578,7 @@
           <a:p>
             <a:r>
               <a:rPr lang="en-GB" dirty="0"/>
-              <a:t>eigenvalues</a:t>
+              <a:t>Analytic Results</a:t>
             </a:r>
           </a:p>
         </p:txBody>
@@ -5646,7 +5588,7 @@
           <p:cNvPr id="3" name="Content Placeholder 2">
             <a:extLst>
               <a:ext uri="{FF2B5EF4-FFF2-40B4-BE49-F238E27FC236}">
-                <a16:creationId xmlns:a16="http://schemas.microsoft.com/office/drawing/2014/main" id="{5D5FAA4E-885C-43FD-93A4-7551957D4438}"/>
+                <a16:creationId xmlns:a16="http://schemas.microsoft.com/office/drawing/2014/main" id="{E72DB1CF-7689-4708-8A62-87B28DC1AF34}"/>
               </a:ext>
             </a:extLst>
           </p:cNvPr>
@@ -5662,35 +5604,14 @@
           <a:bodyPr/>
           <a:lstStyle/>
           <a:p>
-            <a:r>
-              <a:rPr lang="en-GB" dirty="0"/>
-              <a:t>Koch </a:t>
-            </a:r>
-          </a:p>
-          <a:p>
-            <a:r>
-              <a:rPr lang="en-GB" dirty="0" err="1"/>
-              <a:t>Cottett</a:t>
-            </a:r>
-            <a:endParaRPr lang="en-GB" dirty="0"/>
-          </a:p>
-          <a:p>
-            <a:r>
-              <a:rPr lang="en-GB" dirty="0"/>
-              <a:t>Python/</a:t>
-            </a:r>
-            <a:r>
-              <a:rPr lang="en-GB" dirty="0" err="1"/>
-              <a:t>mathematica</a:t>
-            </a:r>
-            <a:endParaRPr lang="en-GB" dirty="0"/>
+            <a:endParaRPr lang="en-GB"/>
           </a:p>
         </p:txBody>
       </p:sp>
     </p:spTree>
     <p:extLst>
       <p:ext uri="{BB962C8B-B14F-4D97-AF65-F5344CB8AC3E}">
-        <p14:creationId xmlns:p14="http://schemas.microsoft.com/office/powerpoint/2010/main" val="2559475289"/>
+        <p14:creationId xmlns:p14="http://schemas.microsoft.com/office/powerpoint/2010/main" val="2253968786"/>
       </p:ext>
     </p:extLst>
   </p:cSld>
